--- a/周报、.pptx
+++ b/周报、.pptx
@@ -6,7 +6,8 @@
   </p:sldMasterIdLst>
   <p:sldIdLst>
     <p:sldId id="256" r:id="rId2"/>
-    <p:sldId id="257" r:id="rId3"/>
+    <p:sldId id="258" r:id="rId3"/>
+    <p:sldId id="257" r:id="rId4"/>
   </p:sldIdLst>
   <p:sldSz cx="12192000" cy="6858000"/>
   <p:notesSz cx="6858000" cy="9144000"/>
@@ -105,6 +106,11 @@
       </a:defRPr>
     </a:lvl9pPr>
   </p:defaultTextStyle>
+  <p:extLst>
+    <p:ext uri="{EFAFB233-063F-42B5-8137-9DF3F51BA10A}">
+      <p15:sldGuideLst xmlns:p15="http://schemas.microsoft.com/office/powerpoint/2012/main"/>
+    </p:ext>
+  </p:extLst>
 </p:presentation>
 </file>
 
@@ -150,10 +156,9 @@
           </a:lstStyle>
           <a:p>
             <a:r>
-              <a:rPr lang="zh-CN" altLang="en-US" smtClean="0"/>
+              <a:rPr lang="zh-CN" altLang="en-US"/>
               <a:t>单击此处编辑母版标题样式</a:t>
             </a:r>
-            <a:endParaRPr lang="zh-CN" altLang="en-US"/>
           </a:p>
         </p:txBody>
       </p:sp>
@@ -215,10 +220,9 @@
           </a:lstStyle>
           <a:p>
             <a:r>
-              <a:rPr lang="zh-CN" altLang="en-US" smtClean="0"/>
+              <a:rPr lang="zh-CN" altLang="en-US"/>
               <a:t>单击此处编辑母版副标题样式</a:t>
             </a:r>
-            <a:endParaRPr lang="zh-CN" altLang="en-US"/>
           </a:p>
         </p:txBody>
       </p:sp>
@@ -333,10 +337,9 @@
           <a:lstStyle/>
           <a:p>
             <a:r>
-              <a:rPr lang="zh-CN" altLang="en-US" smtClean="0"/>
+              <a:rPr lang="zh-CN" altLang="en-US"/>
               <a:t>单击此处编辑母版标题样式</a:t>
             </a:r>
-            <a:endParaRPr lang="zh-CN" altLang="en-US"/>
           </a:p>
         </p:txBody>
       </p:sp>
@@ -357,38 +360,37 @@
           <a:p>
             <a:pPr lvl="0"/>
             <a:r>
-              <a:rPr lang="zh-CN" altLang="en-US" smtClean="0"/>
+              <a:rPr lang="zh-CN" altLang="en-US"/>
               <a:t>单击此处编辑母版文本样式</a:t>
             </a:r>
           </a:p>
           <a:p>
             <a:pPr lvl="1"/>
             <a:r>
-              <a:rPr lang="zh-CN" altLang="en-US" smtClean="0"/>
+              <a:rPr lang="zh-CN" altLang="en-US"/>
               <a:t>第二级</a:t>
             </a:r>
           </a:p>
           <a:p>
             <a:pPr lvl="2"/>
             <a:r>
-              <a:rPr lang="zh-CN" altLang="en-US" smtClean="0"/>
+              <a:rPr lang="zh-CN" altLang="en-US"/>
               <a:t>第三级</a:t>
             </a:r>
           </a:p>
           <a:p>
             <a:pPr lvl="3"/>
             <a:r>
-              <a:rPr lang="zh-CN" altLang="en-US" smtClean="0"/>
+              <a:rPr lang="zh-CN" altLang="en-US"/>
               <a:t>第四级</a:t>
             </a:r>
           </a:p>
           <a:p>
             <a:pPr lvl="4"/>
             <a:r>
-              <a:rPr lang="zh-CN" altLang="en-US" smtClean="0"/>
+              <a:rPr lang="zh-CN" altLang="en-US"/>
               <a:t>第五级</a:t>
             </a:r>
-            <a:endParaRPr lang="zh-CN" altLang="en-US"/>
           </a:p>
         </p:txBody>
       </p:sp>
@@ -508,10 +510,9 @@
           <a:lstStyle/>
           <a:p>
             <a:r>
-              <a:rPr lang="zh-CN" altLang="en-US" smtClean="0"/>
+              <a:rPr lang="zh-CN" altLang="en-US"/>
               <a:t>单击此处编辑母版标题样式</a:t>
             </a:r>
-            <a:endParaRPr lang="zh-CN" altLang="en-US"/>
           </a:p>
         </p:txBody>
       </p:sp>
@@ -537,38 +538,37 @@
           <a:p>
             <a:pPr lvl="0"/>
             <a:r>
-              <a:rPr lang="zh-CN" altLang="en-US" smtClean="0"/>
+              <a:rPr lang="zh-CN" altLang="en-US"/>
               <a:t>单击此处编辑母版文本样式</a:t>
             </a:r>
           </a:p>
           <a:p>
             <a:pPr lvl="1"/>
             <a:r>
-              <a:rPr lang="zh-CN" altLang="en-US" smtClean="0"/>
+              <a:rPr lang="zh-CN" altLang="en-US"/>
               <a:t>第二级</a:t>
             </a:r>
           </a:p>
           <a:p>
             <a:pPr lvl="2"/>
             <a:r>
-              <a:rPr lang="zh-CN" altLang="en-US" smtClean="0"/>
+              <a:rPr lang="zh-CN" altLang="en-US"/>
               <a:t>第三级</a:t>
             </a:r>
           </a:p>
           <a:p>
             <a:pPr lvl="3"/>
             <a:r>
-              <a:rPr lang="zh-CN" altLang="en-US" smtClean="0"/>
+              <a:rPr lang="zh-CN" altLang="en-US"/>
               <a:t>第四级</a:t>
             </a:r>
           </a:p>
           <a:p>
             <a:pPr lvl="4"/>
             <a:r>
-              <a:rPr lang="zh-CN" altLang="en-US" smtClean="0"/>
+              <a:rPr lang="zh-CN" altLang="en-US"/>
               <a:t>第五级</a:t>
             </a:r>
-            <a:endParaRPr lang="zh-CN" altLang="en-US"/>
           </a:p>
         </p:txBody>
       </p:sp>
@@ -683,10 +683,9 @@
           <a:lstStyle/>
           <a:p>
             <a:r>
-              <a:rPr lang="zh-CN" altLang="en-US" smtClean="0"/>
+              <a:rPr lang="zh-CN" altLang="en-US"/>
               <a:t>单击此处编辑母版标题样式</a:t>
             </a:r>
-            <a:endParaRPr lang="zh-CN" altLang="en-US"/>
           </a:p>
         </p:txBody>
       </p:sp>
@@ -707,38 +706,37 @@
           <a:p>
             <a:pPr lvl="0"/>
             <a:r>
-              <a:rPr lang="zh-CN" altLang="en-US" smtClean="0"/>
+              <a:rPr lang="zh-CN" altLang="en-US"/>
               <a:t>单击此处编辑母版文本样式</a:t>
             </a:r>
           </a:p>
           <a:p>
             <a:pPr lvl="1"/>
             <a:r>
-              <a:rPr lang="zh-CN" altLang="en-US" smtClean="0"/>
+              <a:rPr lang="zh-CN" altLang="en-US"/>
               <a:t>第二级</a:t>
             </a:r>
           </a:p>
           <a:p>
             <a:pPr lvl="2"/>
             <a:r>
-              <a:rPr lang="zh-CN" altLang="en-US" smtClean="0"/>
+              <a:rPr lang="zh-CN" altLang="en-US"/>
               <a:t>第三级</a:t>
             </a:r>
           </a:p>
           <a:p>
             <a:pPr lvl="3"/>
             <a:r>
-              <a:rPr lang="zh-CN" altLang="en-US" smtClean="0"/>
+              <a:rPr lang="zh-CN" altLang="en-US"/>
               <a:t>第四级</a:t>
             </a:r>
           </a:p>
           <a:p>
             <a:pPr lvl="4"/>
             <a:r>
-              <a:rPr lang="zh-CN" altLang="en-US" smtClean="0"/>
+              <a:rPr lang="zh-CN" altLang="en-US"/>
               <a:t>第五级</a:t>
             </a:r>
-            <a:endParaRPr lang="zh-CN" altLang="en-US"/>
           </a:p>
         </p:txBody>
       </p:sp>
@@ -862,10 +860,9 @@
           </a:lstStyle>
           <a:p>
             <a:r>
-              <a:rPr lang="zh-CN" altLang="en-US" smtClean="0"/>
+              <a:rPr lang="zh-CN" altLang="en-US"/>
               <a:t>单击此处编辑母版标题样式</a:t>
             </a:r>
-            <a:endParaRPr lang="zh-CN" altLang="en-US"/>
           </a:p>
         </p:txBody>
       </p:sp>
@@ -982,7 +979,7 @@
           <a:p>
             <a:pPr lvl="0"/>
             <a:r>
-              <a:rPr lang="zh-CN" altLang="en-US" smtClean="0"/>
+              <a:rPr lang="zh-CN" altLang="en-US"/>
               <a:t>单击此处编辑母版文本样式</a:t>
             </a:r>
           </a:p>
@@ -1099,10 +1096,9 @@
           <a:lstStyle/>
           <a:p>
             <a:r>
-              <a:rPr lang="zh-CN" altLang="en-US" smtClean="0"/>
+              <a:rPr lang="zh-CN" altLang="en-US"/>
               <a:t>单击此处编辑母版标题样式</a:t>
             </a:r>
-            <a:endParaRPr lang="zh-CN" altLang="en-US"/>
           </a:p>
         </p:txBody>
       </p:sp>
@@ -1128,38 +1124,37 @@
           <a:p>
             <a:pPr lvl="0"/>
             <a:r>
-              <a:rPr lang="zh-CN" altLang="en-US" smtClean="0"/>
+              <a:rPr lang="zh-CN" altLang="en-US"/>
               <a:t>单击此处编辑母版文本样式</a:t>
             </a:r>
           </a:p>
           <a:p>
             <a:pPr lvl="1"/>
             <a:r>
-              <a:rPr lang="zh-CN" altLang="en-US" smtClean="0"/>
+              <a:rPr lang="zh-CN" altLang="en-US"/>
               <a:t>第二级</a:t>
             </a:r>
           </a:p>
           <a:p>
             <a:pPr lvl="2"/>
             <a:r>
-              <a:rPr lang="zh-CN" altLang="en-US" smtClean="0"/>
+              <a:rPr lang="zh-CN" altLang="en-US"/>
               <a:t>第三级</a:t>
             </a:r>
           </a:p>
           <a:p>
             <a:pPr lvl="3"/>
             <a:r>
-              <a:rPr lang="zh-CN" altLang="en-US" smtClean="0"/>
+              <a:rPr lang="zh-CN" altLang="en-US"/>
               <a:t>第四级</a:t>
             </a:r>
           </a:p>
           <a:p>
             <a:pPr lvl="4"/>
             <a:r>
-              <a:rPr lang="zh-CN" altLang="en-US" smtClean="0"/>
+              <a:rPr lang="zh-CN" altLang="en-US"/>
               <a:t>第五级</a:t>
             </a:r>
-            <a:endParaRPr lang="zh-CN" altLang="en-US"/>
           </a:p>
         </p:txBody>
       </p:sp>
@@ -1185,38 +1180,37 @@
           <a:p>
             <a:pPr lvl="0"/>
             <a:r>
-              <a:rPr lang="zh-CN" altLang="en-US" smtClean="0"/>
+              <a:rPr lang="zh-CN" altLang="en-US"/>
               <a:t>单击此处编辑母版文本样式</a:t>
             </a:r>
           </a:p>
           <a:p>
             <a:pPr lvl="1"/>
             <a:r>
-              <a:rPr lang="zh-CN" altLang="en-US" smtClean="0"/>
+              <a:rPr lang="zh-CN" altLang="en-US"/>
               <a:t>第二级</a:t>
             </a:r>
           </a:p>
           <a:p>
             <a:pPr lvl="2"/>
             <a:r>
-              <a:rPr lang="zh-CN" altLang="en-US" smtClean="0"/>
+              <a:rPr lang="zh-CN" altLang="en-US"/>
               <a:t>第三级</a:t>
             </a:r>
           </a:p>
           <a:p>
             <a:pPr lvl="3"/>
             <a:r>
-              <a:rPr lang="zh-CN" altLang="en-US" smtClean="0"/>
+              <a:rPr lang="zh-CN" altLang="en-US"/>
               <a:t>第四级</a:t>
             </a:r>
           </a:p>
           <a:p>
             <a:pPr lvl="4"/>
             <a:r>
-              <a:rPr lang="zh-CN" altLang="en-US" smtClean="0"/>
+              <a:rPr lang="zh-CN" altLang="en-US"/>
               <a:t>第五级</a:t>
             </a:r>
-            <a:endParaRPr lang="zh-CN" altLang="en-US"/>
           </a:p>
         </p:txBody>
       </p:sp>
@@ -1336,10 +1330,9 @@
           <a:lstStyle/>
           <a:p>
             <a:r>
-              <a:rPr lang="zh-CN" altLang="en-US" smtClean="0"/>
+              <a:rPr lang="zh-CN" altLang="en-US"/>
               <a:t>单击此处编辑母版标题样式</a:t>
             </a:r>
-            <a:endParaRPr lang="zh-CN" altLang="en-US"/>
           </a:p>
         </p:txBody>
       </p:sp>
@@ -1402,7 +1395,7 @@
           <a:p>
             <a:pPr lvl="0"/>
             <a:r>
-              <a:rPr lang="zh-CN" altLang="en-US" smtClean="0"/>
+              <a:rPr lang="zh-CN" altLang="en-US"/>
               <a:t>单击此处编辑母版文本样式</a:t>
             </a:r>
           </a:p>
@@ -1430,38 +1423,37 @@
           <a:p>
             <a:pPr lvl="0"/>
             <a:r>
-              <a:rPr lang="zh-CN" altLang="en-US" smtClean="0"/>
+              <a:rPr lang="zh-CN" altLang="en-US"/>
               <a:t>单击此处编辑母版文本样式</a:t>
             </a:r>
           </a:p>
           <a:p>
             <a:pPr lvl="1"/>
             <a:r>
-              <a:rPr lang="zh-CN" altLang="en-US" smtClean="0"/>
+              <a:rPr lang="zh-CN" altLang="en-US"/>
               <a:t>第二级</a:t>
             </a:r>
           </a:p>
           <a:p>
             <a:pPr lvl="2"/>
             <a:r>
-              <a:rPr lang="zh-CN" altLang="en-US" smtClean="0"/>
+              <a:rPr lang="zh-CN" altLang="en-US"/>
               <a:t>第三级</a:t>
             </a:r>
           </a:p>
           <a:p>
             <a:pPr lvl="3"/>
             <a:r>
-              <a:rPr lang="zh-CN" altLang="en-US" smtClean="0"/>
+              <a:rPr lang="zh-CN" altLang="en-US"/>
               <a:t>第四级</a:t>
             </a:r>
           </a:p>
           <a:p>
             <a:pPr lvl="4"/>
             <a:r>
-              <a:rPr lang="zh-CN" altLang="en-US" smtClean="0"/>
+              <a:rPr lang="zh-CN" altLang="en-US"/>
               <a:t>第五级</a:t>
             </a:r>
-            <a:endParaRPr lang="zh-CN" altLang="en-US"/>
           </a:p>
         </p:txBody>
       </p:sp>
@@ -1524,7 +1516,7 @@
           <a:p>
             <a:pPr lvl="0"/>
             <a:r>
-              <a:rPr lang="zh-CN" altLang="en-US" smtClean="0"/>
+              <a:rPr lang="zh-CN" altLang="en-US"/>
               <a:t>单击此处编辑母版文本样式</a:t>
             </a:r>
           </a:p>
@@ -1552,38 +1544,37 @@
           <a:p>
             <a:pPr lvl="0"/>
             <a:r>
-              <a:rPr lang="zh-CN" altLang="en-US" smtClean="0"/>
+              <a:rPr lang="zh-CN" altLang="en-US"/>
               <a:t>单击此处编辑母版文本样式</a:t>
             </a:r>
           </a:p>
           <a:p>
             <a:pPr lvl="1"/>
             <a:r>
-              <a:rPr lang="zh-CN" altLang="en-US" smtClean="0"/>
+              <a:rPr lang="zh-CN" altLang="en-US"/>
               <a:t>第二级</a:t>
             </a:r>
           </a:p>
           <a:p>
             <a:pPr lvl="2"/>
             <a:r>
-              <a:rPr lang="zh-CN" altLang="en-US" smtClean="0"/>
+              <a:rPr lang="zh-CN" altLang="en-US"/>
               <a:t>第三级</a:t>
             </a:r>
           </a:p>
           <a:p>
             <a:pPr lvl="3"/>
             <a:r>
-              <a:rPr lang="zh-CN" altLang="en-US" smtClean="0"/>
+              <a:rPr lang="zh-CN" altLang="en-US"/>
               <a:t>第四级</a:t>
             </a:r>
           </a:p>
           <a:p>
             <a:pPr lvl="4"/>
             <a:r>
-              <a:rPr lang="zh-CN" altLang="en-US" smtClean="0"/>
+              <a:rPr lang="zh-CN" altLang="en-US"/>
               <a:t>第五级</a:t>
             </a:r>
-            <a:endParaRPr lang="zh-CN" altLang="en-US"/>
           </a:p>
         </p:txBody>
       </p:sp>
@@ -1698,10 +1689,9 @@
           <a:lstStyle/>
           <a:p>
             <a:r>
-              <a:rPr lang="zh-CN" altLang="en-US" smtClean="0"/>
+              <a:rPr lang="zh-CN" altLang="en-US"/>
               <a:t>单击此处编辑母版标题样式</a:t>
             </a:r>
-            <a:endParaRPr lang="zh-CN" altLang="en-US"/>
           </a:p>
         </p:txBody>
       </p:sp>
@@ -1920,10 +1910,9 @@
           </a:lstStyle>
           <a:p>
             <a:r>
-              <a:rPr lang="zh-CN" altLang="en-US" smtClean="0"/>
+              <a:rPr lang="zh-CN" altLang="en-US"/>
               <a:t>单击此处编辑母版标题样式</a:t>
             </a:r>
-            <a:endParaRPr lang="zh-CN" altLang="en-US"/>
           </a:p>
         </p:txBody>
       </p:sp>
@@ -1977,38 +1966,37 @@
           <a:p>
             <a:pPr lvl="0"/>
             <a:r>
-              <a:rPr lang="zh-CN" altLang="en-US" smtClean="0"/>
+              <a:rPr lang="zh-CN" altLang="en-US"/>
               <a:t>单击此处编辑母版文本样式</a:t>
             </a:r>
           </a:p>
           <a:p>
             <a:pPr lvl="1"/>
             <a:r>
-              <a:rPr lang="zh-CN" altLang="en-US" smtClean="0"/>
+              <a:rPr lang="zh-CN" altLang="en-US"/>
               <a:t>第二级</a:t>
             </a:r>
           </a:p>
           <a:p>
             <a:pPr lvl="2"/>
             <a:r>
-              <a:rPr lang="zh-CN" altLang="en-US" smtClean="0"/>
+              <a:rPr lang="zh-CN" altLang="en-US"/>
               <a:t>第三级</a:t>
             </a:r>
           </a:p>
           <a:p>
             <a:pPr lvl="3"/>
             <a:r>
-              <a:rPr lang="zh-CN" altLang="en-US" smtClean="0"/>
+              <a:rPr lang="zh-CN" altLang="en-US"/>
               <a:t>第四级</a:t>
             </a:r>
           </a:p>
           <a:p>
             <a:pPr lvl="4"/>
             <a:r>
-              <a:rPr lang="zh-CN" altLang="en-US" smtClean="0"/>
+              <a:rPr lang="zh-CN" altLang="en-US"/>
               <a:t>第五级</a:t>
             </a:r>
-            <a:endParaRPr lang="zh-CN" altLang="en-US"/>
           </a:p>
         </p:txBody>
       </p:sp>
@@ -2071,7 +2059,7 @@
           <a:p>
             <a:pPr lvl="0"/>
             <a:r>
-              <a:rPr lang="zh-CN" altLang="en-US" smtClean="0"/>
+              <a:rPr lang="zh-CN" altLang="en-US"/>
               <a:t>单击此处编辑母版文本样式</a:t>
             </a:r>
           </a:p>
@@ -2197,10 +2185,9 @@
           </a:lstStyle>
           <a:p>
             <a:r>
-              <a:rPr lang="zh-CN" altLang="en-US" smtClean="0"/>
+              <a:rPr lang="zh-CN" altLang="en-US"/>
               <a:t>单击此处编辑母版标题样式</a:t>
             </a:r>
-            <a:endParaRPr lang="zh-CN" altLang="en-US"/>
           </a:p>
         </p:txBody>
       </p:sp>
@@ -2324,7 +2311,7 @@
           <a:p>
             <a:pPr lvl="0"/>
             <a:r>
-              <a:rPr lang="zh-CN" altLang="en-US" smtClean="0"/>
+              <a:rPr lang="zh-CN" altLang="en-US"/>
               <a:t>单击此处编辑母版文本样式</a:t>
             </a:r>
           </a:p>
@@ -2456,10 +2443,9 @@
           <a:lstStyle/>
           <a:p>
             <a:r>
-              <a:rPr lang="zh-CN" altLang="en-US" smtClean="0"/>
+              <a:rPr lang="zh-CN" altLang="en-US"/>
               <a:t>单击此处编辑母版标题样式</a:t>
             </a:r>
-            <a:endParaRPr lang="zh-CN" altLang="en-US"/>
           </a:p>
         </p:txBody>
       </p:sp>
@@ -2490,38 +2476,37 @@
           <a:p>
             <a:pPr lvl="0"/>
             <a:r>
-              <a:rPr lang="zh-CN" altLang="en-US" smtClean="0"/>
+              <a:rPr lang="zh-CN" altLang="en-US"/>
               <a:t>单击此处编辑母版文本样式</a:t>
             </a:r>
           </a:p>
           <a:p>
             <a:pPr lvl="1"/>
             <a:r>
-              <a:rPr lang="zh-CN" altLang="en-US" smtClean="0"/>
+              <a:rPr lang="zh-CN" altLang="en-US"/>
               <a:t>第二级</a:t>
             </a:r>
           </a:p>
           <a:p>
             <a:pPr lvl="2"/>
             <a:r>
-              <a:rPr lang="zh-CN" altLang="en-US" smtClean="0"/>
+              <a:rPr lang="zh-CN" altLang="en-US"/>
               <a:t>第三级</a:t>
             </a:r>
           </a:p>
           <a:p>
             <a:pPr lvl="3"/>
             <a:r>
-              <a:rPr lang="zh-CN" altLang="en-US" smtClean="0"/>
+              <a:rPr lang="zh-CN" altLang="en-US"/>
               <a:t>第四级</a:t>
             </a:r>
           </a:p>
           <a:p>
             <a:pPr lvl="4"/>
             <a:r>
-              <a:rPr lang="zh-CN" altLang="en-US" smtClean="0"/>
+              <a:rPr lang="zh-CN" altLang="en-US"/>
               <a:t>第五级</a:t>
             </a:r>
-            <a:endParaRPr lang="zh-CN" altLang="en-US"/>
           </a:p>
         </p:txBody>
       </p:sp>
@@ -2974,14 +2959,14 @@
           <p:nvPr>
             <p:extLst>
               <p:ext uri="{D42A27DB-BD31-4B8C-83A1-F6EECF244321}">
-                <p14:modId xmlns:p14="http://schemas.microsoft.com/office/powerpoint/2010/main" val="1472640682"/>
+                <p14:modId xmlns:p14="http://schemas.microsoft.com/office/powerpoint/2010/main" val="411017990"/>
               </p:ext>
             </p:extLst>
           </p:nvPr>
         </p:nvGraphicFramePr>
         <p:xfrm>
-          <a:off x="848833" y="719839"/>
-          <a:ext cx="11028219" cy="4738438"/>
+          <a:off x="870098" y="328261"/>
+          <a:ext cx="11028219" cy="6201478"/>
         </p:xfrm>
         <a:graphic>
           <a:graphicData uri="http://schemas.openxmlformats.org/drawingml/2006/table">
@@ -2990,15 +2975,69 @@
                 <a:tableStyleId>{5C22544A-7EE6-4342-B048-85BDC9FD1C3A}</a:tableStyleId>
               </a:tblPr>
               <a:tblGrid>
-                <a:gridCol w="2348356"/>
-                <a:gridCol w="1014100"/>
-                <a:gridCol w="983289"/>
-                <a:gridCol w="983289"/>
-                <a:gridCol w="983289"/>
-                <a:gridCol w="1332568"/>
-                <a:gridCol w="1245372"/>
-                <a:gridCol w="1067461"/>
-                <a:gridCol w="1070495"/>
+                <a:gridCol w="2348356">
+                  <a:extLst>
+                    <a:ext uri="{9D8B030D-6E8A-4147-A177-3AD203B41FA5}">
+                      <a16:colId xmlns:a16="http://schemas.microsoft.com/office/drawing/2014/main" val="20000"/>
+                    </a:ext>
+                  </a:extLst>
+                </a:gridCol>
+                <a:gridCol w="1014100">
+                  <a:extLst>
+                    <a:ext uri="{9D8B030D-6E8A-4147-A177-3AD203B41FA5}">
+                      <a16:colId xmlns:a16="http://schemas.microsoft.com/office/drawing/2014/main" val="20001"/>
+                    </a:ext>
+                  </a:extLst>
+                </a:gridCol>
+                <a:gridCol w="983289">
+                  <a:extLst>
+                    <a:ext uri="{9D8B030D-6E8A-4147-A177-3AD203B41FA5}">
+                      <a16:colId xmlns:a16="http://schemas.microsoft.com/office/drawing/2014/main" val="20002"/>
+                    </a:ext>
+                  </a:extLst>
+                </a:gridCol>
+                <a:gridCol w="983289">
+                  <a:extLst>
+                    <a:ext uri="{9D8B030D-6E8A-4147-A177-3AD203B41FA5}">
+                      <a16:colId xmlns:a16="http://schemas.microsoft.com/office/drawing/2014/main" val="20003"/>
+                    </a:ext>
+                  </a:extLst>
+                </a:gridCol>
+                <a:gridCol w="983289">
+                  <a:extLst>
+                    <a:ext uri="{9D8B030D-6E8A-4147-A177-3AD203B41FA5}">
+                      <a16:colId xmlns:a16="http://schemas.microsoft.com/office/drawing/2014/main" val="20004"/>
+                    </a:ext>
+                  </a:extLst>
+                </a:gridCol>
+                <a:gridCol w="1332568">
+                  <a:extLst>
+                    <a:ext uri="{9D8B030D-6E8A-4147-A177-3AD203B41FA5}">
+                      <a16:colId xmlns:a16="http://schemas.microsoft.com/office/drawing/2014/main" val="20005"/>
+                    </a:ext>
+                  </a:extLst>
+                </a:gridCol>
+                <a:gridCol w="1245372">
+                  <a:extLst>
+                    <a:ext uri="{9D8B030D-6E8A-4147-A177-3AD203B41FA5}">
+                      <a16:colId xmlns:a16="http://schemas.microsoft.com/office/drawing/2014/main" val="20006"/>
+                    </a:ext>
+                  </a:extLst>
+                </a:gridCol>
+                <a:gridCol w="1067461">
+                  <a:extLst>
+                    <a:ext uri="{9D8B030D-6E8A-4147-A177-3AD203B41FA5}">
+                      <a16:colId xmlns:a16="http://schemas.microsoft.com/office/drawing/2014/main" val="20007"/>
+                    </a:ext>
+                  </a:extLst>
+                </a:gridCol>
+                <a:gridCol w="1070495">
+                  <a:extLst>
+                    <a:ext uri="{9D8B030D-6E8A-4147-A177-3AD203B41FA5}">
+                      <a16:colId xmlns:a16="http://schemas.microsoft.com/office/drawing/2014/main" val="20008"/>
+                    </a:ext>
+                  </a:extLst>
+                </a:gridCol>
               </a:tblGrid>
               <a:tr h="387950">
                 <a:tc>
@@ -3019,7 +3058,7 @@
                     <a:p>
                       <a:pPr algn="ctr"/>
                       <a:r>
-                        <a:rPr lang="en-US" altLang="zh-CN" dirty="0" err="1" smtClean="0"/>
+                        <a:rPr lang="en-US" altLang="zh-CN" dirty="0" err="1"/>
                         <a:t>ance</a:t>
                       </a:r>
                       <a:endParaRPr lang="zh-CN" altLang="en-US" dirty="0"/>
@@ -3067,7 +3106,7 @@
                     <a:p>
                       <a:pPr algn="ctr"/>
                       <a:r>
-                        <a:rPr lang="en-US" altLang="zh-CN" dirty="0" err="1" smtClean="0"/>
+                        <a:rPr lang="en-US" altLang="zh-CN" dirty="0" err="1"/>
                         <a:t>offcial</a:t>
                       </a:r>
                       <a:endParaRPr lang="zh-CN" altLang="en-US" dirty="0"/>
@@ -3108,6 +3147,11 @@
                   </a:txBody>
                   <a:tcPr anchor="ctr"/>
                 </a:tc>
+                <a:extLst>
+                  <a:ext uri="{0D108BD9-81ED-4DB2-BD59-A6C34878D82A}">
+                    <a16:rowId xmlns:a16="http://schemas.microsoft.com/office/drawing/2014/main" val="10000"/>
+                  </a:ext>
+                </a:extLst>
               </a:tr>
               <a:tr h="0">
                 <a:tc>
@@ -3117,7 +3161,7 @@
                     <a:p>
                       <a:pPr algn="ctr"/>
                       <a:r>
-                        <a:rPr lang="en-US" altLang="zh-CN" dirty="0" smtClean="0"/>
+                        <a:rPr lang="en-US" altLang="zh-CN" dirty="0"/>
                         <a:t>Model</a:t>
                       </a:r>
                       <a:endParaRPr lang="zh-CN" altLang="en-US" dirty="0"/>
@@ -3132,7 +3176,7 @@
                     <a:p>
                       <a:pPr algn="ctr"/>
                       <a:r>
-                        <a:rPr lang="en-US" altLang="zh-CN" dirty="0" smtClean="0"/>
+                        <a:rPr lang="en-US" altLang="zh-CN" dirty="0"/>
                         <a:t>MRR@10</a:t>
                       </a:r>
                       <a:endParaRPr lang="zh-CN" altLang="en-US" dirty="0"/>
@@ -3147,7 +3191,7 @@
                     <a:p>
                       <a:pPr algn="ctr"/>
                       <a:r>
-                        <a:rPr lang="en-US" altLang="zh-CN" dirty="0" smtClean="0"/>
+                        <a:rPr lang="en-US" altLang="zh-CN" dirty="0"/>
                         <a:t>MRR@100</a:t>
                       </a:r>
                       <a:endParaRPr lang="zh-CN" altLang="en-US" dirty="0"/>
@@ -3162,7 +3206,7 @@
                     <a:p>
                       <a:pPr algn="ctr"/>
                       <a:r>
-                        <a:rPr lang="en-US" altLang="zh-CN" dirty="0" smtClean="0"/>
+                        <a:rPr lang="en-US" altLang="zh-CN" dirty="0"/>
                         <a:t>ndcg@10</a:t>
                       </a:r>
                       <a:endParaRPr lang="zh-CN" altLang="en-US" dirty="0"/>
@@ -3177,7 +3221,7 @@
                     <a:p>
                       <a:pPr algn="ctr"/>
                       <a:r>
-                        <a:rPr lang="en-US" altLang="zh-CN" dirty="0" smtClean="0"/>
+                        <a:rPr lang="en-US" altLang="zh-CN" dirty="0"/>
                         <a:t>ndcg@100</a:t>
                       </a:r>
                       <a:endParaRPr lang="zh-CN" altLang="en-US" dirty="0"/>
@@ -3192,7 +3236,7 @@
                     <a:p>
                       <a:pPr algn="ctr"/>
                       <a:r>
-                        <a:rPr lang="en-US" altLang="zh-CN" dirty="0" smtClean="0"/>
+                        <a:rPr lang="en-US" altLang="zh-CN" dirty="0"/>
                         <a:t>MRR@10</a:t>
                       </a:r>
                       <a:endParaRPr lang="zh-CN" altLang="en-US" dirty="0"/>
@@ -3207,7 +3251,7 @@
                     <a:p>
                       <a:pPr algn="ctr"/>
                       <a:r>
-                        <a:rPr lang="en-US" altLang="zh-CN" dirty="0" smtClean="0"/>
+                        <a:rPr lang="en-US" altLang="zh-CN" dirty="0"/>
                         <a:t>MRR@100</a:t>
                       </a:r>
                       <a:endParaRPr lang="zh-CN" altLang="en-US" dirty="0"/>
@@ -3222,7 +3266,7 @@
                     <a:p>
                       <a:pPr algn="ctr"/>
                       <a:r>
-                        <a:rPr lang="en-US" altLang="zh-CN" dirty="0" smtClean="0"/>
+                        <a:rPr lang="en-US" altLang="zh-CN" dirty="0"/>
                         <a:t>ndcg@10</a:t>
                       </a:r>
                       <a:endParaRPr lang="zh-CN" altLang="en-US" dirty="0"/>
@@ -3237,7 +3281,7 @@
                     <a:p>
                       <a:pPr algn="ctr"/>
                       <a:r>
-                        <a:rPr lang="en-US" altLang="zh-CN" dirty="0" smtClean="0"/>
+                        <a:rPr lang="en-US" altLang="zh-CN" dirty="0"/>
                         <a:t>ndcg@100</a:t>
                       </a:r>
                       <a:endParaRPr lang="zh-CN" altLang="en-US" dirty="0"/>
@@ -3245,6 +3289,583 @@
                   </a:txBody>
                   <a:tcPr anchor="ctr"/>
                 </a:tc>
+                <a:extLst>
+                  <a:ext uri="{0D108BD9-81ED-4DB2-BD59-A6C34878D82A}">
+                    <a16:rowId xmlns:a16="http://schemas.microsoft.com/office/drawing/2014/main" val="10001"/>
+                  </a:ext>
+                </a:extLst>
+              </a:tr>
+              <a:tr h="0">
+                <a:tc>
+                  <a:txBody>
+                    <a:bodyPr/>
+                    <a:lstStyle/>
+                    <a:p>
+                      <a:pPr algn="ctr"/>
+                      <a:r>
+                        <a:rPr lang="en-US" altLang="zh-CN" sz="1800" dirty="0"/>
+                        <a:t>DRMM</a:t>
+                      </a:r>
+                      <a:endParaRPr lang="zh-CN" altLang="en-US" sz="1800" dirty="0"/>
+                    </a:p>
+                  </a:txBody>
+                  <a:tcPr anchor="ctr"/>
+                </a:tc>
+                <a:tc>
+                  <a:txBody>
+                    <a:bodyPr/>
+                    <a:lstStyle/>
+                    <a:p>
+                      <a:pPr algn="ctr"/>
+                      <a:r>
+                        <a:rPr lang="en-US" altLang="zh-CN" sz="1800" dirty="0"/>
+                        <a:t>.1146</a:t>
+                      </a:r>
+                      <a:endParaRPr lang="zh-CN" altLang="en-US" sz="1800" dirty="0"/>
+                    </a:p>
+                  </a:txBody>
+                  <a:tcPr anchor="ctr"/>
+                </a:tc>
+                <a:tc>
+                  <a:txBody>
+                    <a:bodyPr/>
+                    <a:lstStyle/>
+                    <a:p>
+                      <a:pPr algn="ctr"/>
+                      <a:r>
+                        <a:rPr lang="en-US" altLang="zh-CN" sz="1800" dirty="0"/>
+                        <a:t>.0943</a:t>
+                      </a:r>
+                      <a:endParaRPr lang="zh-CN" altLang="en-US" sz="1800" dirty="0"/>
+                    </a:p>
+                  </a:txBody>
+                  <a:tcPr anchor="ctr"/>
+                </a:tc>
+                <a:tc>
+                  <a:txBody>
+                    <a:bodyPr/>
+                    <a:lstStyle/>
+                    <a:p>
+                      <a:pPr algn="ctr"/>
+                      <a:r>
+                        <a:rPr lang="en-US" altLang="zh-CN" sz="1800" dirty="0"/>
+                        <a:t>.3812</a:t>
+                      </a:r>
+                      <a:endParaRPr lang="zh-CN" altLang="en-US" sz="1800" dirty="0"/>
+                    </a:p>
+                  </a:txBody>
+                  <a:tcPr anchor="ctr"/>
+                </a:tc>
+                <a:tc>
+                  <a:txBody>
+                    <a:bodyPr/>
+                    <a:lstStyle/>
+                    <a:p>
+                      <a:pPr algn="ctr"/>
+                      <a:r>
+                        <a:rPr lang="en-US" altLang="zh-CN" sz="1800"/>
+                        <a:t>.3085</a:t>
+                      </a:r>
+                      <a:endParaRPr lang="zh-CN" altLang="en-US" sz="1800" dirty="0"/>
+                    </a:p>
+                  </a:txBody>
+                  <a:tcPr anchor="ctr"/>
+                </a:tc>
+                <a:tc>
+                  <a:txBody>
+                    <a:bodyPr/>
+                    <a:lstStyle/>
+                    <a:p>
+                      <a:pPr algn="ctr"/>
+                      <a:r>
+                        <a:rPr lang="en-US" altLang="zh-CN" dirty="0"/>
+                        <a:t>.1047</a:t>
+                      </a:r>
+                      <a:endParaRPr lang="zh-CN" altLang="en-US" dirty="0"/>
+                    </a:p>
+                  </a:txBody>
+                  <a:tcPr anchor="ctr"/>
+                </a:tc>
+                <a:tc>
+                  <a:txBody>
+                    <a:bodyPr/>
+                    <a:lstStyle/>
+                    <a:p>
+                      <a:pPr algn="ctr"/>
+                      <a:r>
+                        <a:rPr lang="en-US" altLang="zh-CN" dirty="0"/>
+                        <a:t>.1211</a:t>
+                      </a:r>
+                      <a:endParaRPr lang="zh-CN" altLang="en-US" dirty="0"/>
+                    </a:p>
+                  </a:txBody>
+                  <a:tcPr anchor="ctr"/>
+                </a:tc>
+                <a:tc>
+                  <a:txBody>
+                    <a:bodyPr/>
+                    <a:lstStyle/>
+                    <a:p>
+                      <a:pPr algn="ctr"/>
+                      <a:r>
+                        <a:rPr lang="en-US" altLang="zh-CN" dirty="0"/>
+                        <a:t>.3000</a:t>
+                      </a:r>
+                      <a:endParaRPr lang="zh-CN" altLang="en-US" dirty="0"/>
+                    </a:p>
+                  </a:txBody>
+                  <a:tcPr anchor="ctr"/>
+                </a:tc>
+                <a:tc>
+                  <a:txBody>
+                    <a:bodyPr/>
+                    <a:lstStyle/>
+                    <a:p>
+                      <a:pPr algn="ctr"/>
+                      <a:r>
+                        <a:rPr lang="en-US" altLang="zh-CN" dirty="0"/>
+                        <a:t>.4099</a:t>
+                      </a:r>
+                      <a:endParaRPr lang="zh-CN" altLang="en-US" dirty="0"/>
+                    </a:p>
+                  </a:txBody>
+                  <a:tcPr anchor="ctr"/>
+                </a:tc>
+                <a:extLst>
+                  <a:ext uri="{0D108BD9-81ED-4DB2-BD59-A6C34878D82A}">
+                    <a16:rowId xmlns:a16="http://schemas.microsoft.com/office/drawing/2014/main" val="2959020849"/>
+                  </a:ext>
+                </a:extLst>
+              </a:tr>
+              <a:tr h="0">
+                <a:tc>
+                  <a:txBody>
+                    <a:bodyPr/>
+                    <a:lstStyle/>
+                    <a:p>
+                      <a:pPr algn="ctr"/>
+                      <a:r>
+                        <a:rPr lang="en-US" altLang="zh-CN" sz="1800" dirty="0"/>
+                        <a:t>DUET</a:t>
+                      </a:r>
+                      <a:endParaRPr lang="zh-CN" altLang="en-US" sz="1800" dirty="0"/>
+                    </a:p>
+                  </a:txBody>
+                  <a:tcPr anchor="ctr"/>
+                </a:tc>
+                <a:tc>
+                  <a:txBody>
+                    <a:bodyPr/>
+                    <a:lstStyle/>
+                    <a:p>
+                      <a:pPr algn="ctr"/>
+                      <a:r>
+                        <a:rPr lang="en-US" altLang="zh-CN" dirty="0"/>
+                        <a:t>.2287</a:t>
+                      </a:r>
+                      <a:endParaRPr lang="zh-CN" altLang="en-US" dirty="0"/>
+                    </a:p>
+                  </a:txBody>
+                  <a:tcPr anchor="ctr"/>
+                </a:tc>
+                <a:tc>
+                  <a:txBody>
+                    <a:bodyPr/>
+                    <a:lstStyle/>
+                    <a:p>
+                      <a:pPr algn="ctr"/>
+                      <a:r>
+                        <a:rPr lang="en-US" altLang="zh-CN" sz="1800" dirty="0"/>
+                        <a:t>.2102</a:t>
+                      </a:r>
+                      <a:endParaRPr lang="zh-CN" altLang="en-US" sz="1800" dirty="0"/>
+                    </a:p>
+                  </a:txBody>
+                  <a:tcPr anchor="ctr"/>
+                </a:tc>
+                <a:tc>
+                  <a:txBody>
+                    <a:bodyPr/>
+                    <a:lstStyle/>
+                    <a:p>
+                      <a:pPr algn="ctr"/>
+                      <a:r>
+                        <a:rPr lang="en-US" altLang="zh-CN" sz="1800"/>
+                        <a:t>.3912</a:t>
+                      </a:r>
+                      <a:endParaRPr lang="zh-CN" altLang="en-US" sz="1800" dirty="0"/>
+                    </a:p>
+                  </a:txBody>
+                  <a:tcPr anchor="ctr"/>
+                </a:tc>
+                <a:tc>
+                  <a:txBody>
+                    <a:bodyPr/>
+                    <a:lstStyle/>
+                    <a:p>
+                      <a:pPr algn="ctr"/>
+                      <a:r>
+                        <a:rPr lang="en-US" altLang="zh-CN" sz="1800"/>
+                        <a:t>.3595</a:t>
+                      </a:r>
+                      <a:endParaRPr lang="zh-CN" altLang="en-US" sz="1800" dirty="0"/>
+                    </a:p>
+                  </a:txBody>
+                  <a:tcPr anchor="ctr"/>
+                </a:tc>
+                <a:tc>
+                  <a:txBody>
+                    <a:bodyPr/>
+                    <a:lstStyle/>
+                    <a:p>
+                      <a:pPr algn="ctr"/>
+                      <a:r>
+                        <a:rPr lang="en-US" altLang="zh-CN" dirty="0"/>
+                        <a:t>.1278</a:t>
+                      </a:r>
+                      <a:endParaRPr lang="zh-CN" altLang="en-US" dirty="0"/>
+                    </a:p>
+                  </a:txBody>
+                  <a:tcPr anchor="ctr"/>
+                </a:tc>
+                <a:tc>
+                  <a:txBody>
+                    <a:bodyPr/>
+                    <a:lstStyle/>
+                    <a:p>
+                      <a:pPr algn="ctr"/>
+                      <a:r>
+                        <a:rPr lang="en-US" altLang="zh-CN" dirty="0"/>
+                        <a:t>.1445</a:t>
+                      </a:r>
+                      <a:endParaRPr lang="zh-CN" altLang="en-US" dirty="0"/>
+                    </a:p>
+                  </a:txBody>
+                  <a:tcPr anchor="ctr"/>
+                </a:tc>
+                <a:tc>
+                  <a:txBody>
+                    <a:bodyPr/>
+                    <a:lstStyle/>
+                    <a:p>
+                      <a:pPr algn="ctr"/>
+                      <a:r>
+                        <a:rPr lang="en-US" altLang="zh-CN" dirty="0"/>
+                        <a:t>.3432</a:t>
+                      </a:r>
+                      <a:endParaRPr lang="zh-CN" altLang="en-US" dirty="0"/>
+                    </a:p>
+                  </a:txBody>
+                  <a:tcPr anchor="ctr"/>
+                </a:tc>
+                <a:tc>
+                  <a:txBody>
+                    <a:bodyPr/>
+                    <a:lstStyle/>
+                    <a:p>
+                      <a:pPr algn="ctr"/>
+                      <a:r>
+                        <a:rPr lang="en-US" altLang="zh-CN" dirty="0"/>
+                        <a:t>.4213</a:t>
+                      </a:r>
+                      <a:endParaRPr lang="zh-CN" altLang="en-US" dirty="0"/>
+                    </a:p>
+                  </a:txBody>
+                  <a:tcPr anchor="ctr"/>
+                </a:tc>
+                <a:extLst>
+                  <a:ext uri="{0D108BD9-81ED-4DB2-BD59-A6C34878D82A}">
+                    <a16:rowId xmlns:a16="http://schemas.microsoft.com/office/drawing/2014/main" val="3748533340"/>
+                  </a:ext>
+                </a:extLst>
+              </a:tr>
+              <a:tr h="0">
+                <a:tc>
+                  <a:txBody>
+                    <a:bodyPr/>
+                    <a:lstStyle/>
+                    <a:p>
+                      <a:pPr algn="ctr"/>
+                      <a:r>
+                        <a:rPr lang="en-US" altLang="zh-CN" sz="1800" dirty="0"/>
+                        <a:t>KNRM</a:t>
+                      </a:r>
+                      <a:endParaRPr lang="zh-CN" altLang="en-US" sz="1800" dirty="0"/>
+                    </a:p>
+                  </a:txBody>
+                  <a:tcPr anchor="ctr"/>
+                </a:tc>
+                <a:tc>
+                  <a:txBody>
+                    <a:bodyPr/>
+                    <a:lstStyle/>
+                    <a:p>
+                      <a:pPr algn="ctr"/>
+                      <a:r>
+                        <a:rPr lang="en-US" altLang="zh-CN" dirty="0"/>
+                        <a:t>.2816</a:t>
+                      </a:r>
+                      <a:endParaRPr lang="zh-CN" altLang="en-US" dirty="0"/>
+                    </a:p>
+                  </a:txBody>
+                  <a:tcPr anchor="ctr"/>
+                </a:tc>
+                <a:tc>
+                  <a:txBody>
+                    <a:bodyPr/>
+                    <a:lstStyle/>
+                    <a:p>
+                      <a:pPr algn="ctr"/>
+                      <a:r>
+                        <a:rPr lang="en-US" altLang="zh-CN" sz="1800" dirty="0"/>
+                        <a:t>.2740</a:t>
+                      </a:r>
+                      <a:endParaRPr lang="zh-CN" altLang="en-US" sz="1800" dirty="0"/>
+                    </a:p>
+                  </a:txBody>
+                  <a:tcPr anchor="ctr"/>
+                </a:tc>
+                <a:tc>
+                  <a:txBody>
+                    <a:bodyPr/>
+                    <a:lstStyle/>
+                    <a:p>
+                      <a:pPr algn="ctr"/>
+                      <a:r>
+                        <a:rPr lang="en-US" altLang="zh-CN" sz="1800"/>
+                        <a:t>.4671</a:t>
+                      </a:r>
+                      <a:endParaRPr lang="zh-CN" altLang="en-US" sz="1800" dirty="0"/>
+                    </a:p>
+                  </a:txBody>
+                  <a:tcPr anchor="ctr"/>
+                </a:tc>
+                <a:tc>
+                  <a:txBody>
+                    <a:bodyPr/>
+                    <a:lstStyle/>
+                    <a:p>
+                      <a:pPr algn="ctr"/>
+                      <a:r>
+                        <a:rPr lang="en-US" altLang="zh-CN" sz="1800"/>
+                        <a:t>.5491</a:t>
+                      </a:r>
+                      <a:endParaRPr lang="zh-CN" altLang="en-US" sz="1800" dirty="0"/>
+                    </a:p>
+                  </a:txBody>
+                  <a:tcPr anchor="ctr"/>
+                </a:tc>
+                <a:tc>
+                  <a:txBody>
+                    <a:bodyPr/>
+                    <a:lstStyle/>
+                    <a:p>
+                      <a:pPr algn="ctr"/>
+                      <a:r>
+                        <a:rPr lang="en-US" altLang="zh-CN" dirty="0"/>
+                        <a:t>.1992</a:t>
+                      </a:r>
+                      <a:endParaRPr lang="zh-CN" altLang="en-US" dirty="0"/>
+                    </a:p>
+                  </a:txBody>
+                  <a:tcPr anchor="ctr"/>
+                </a:tc>
+                <a:tc>
+                  <a:txBody>
+                    <a:bodyPr/>
+                    <a:lstStyle/>
+                    <a:p>
+                      <a:pPr algn="ctr"/>
+                      <a:r>
+                        <a:rPr lang="en-US" altLang="zh-CN" dirty="0"/>
+                        <a:t>.2128</a:t>
+                      </a:r>
+                      <a:endParaRPr lang="zh-CN" altLang="en-US" dirty="0"/>
+                    </a:p>
+                  </a:txBody>
+                  <a:tcPr anchor="ctr"/>
+                </a:tc>
+                <a:tc>
+                  <a:txBody>
+                    <a:bodyPr/>
+                    <a:lstStyle/>
+                    <a:p>
+                      <a:pPr algn="ctr"/>
+                      <a:r>
+                        <a:rPr lang="en-US" altLang="zh-CN" dirty="0"/>
+                        <a:t>.4319</a:t>
+                      </a:r>
+                      <a:endParaRPr lang="zh-CN" altLang="en-US" dirty="0"/>
+                    </a:p>
+                  </a:txBody>
+                  <a:tcPr anchor="ctr"/>
+                </a:tc>
+                <a:tc>
+                  <a:txBody>
+                    <a:bodyPr/>
+                    <a:lstStyle/>
+                    <a:p>
+                      <a:pPr algn="ctr"/>
+                      <a:r>
+                        <a:rPr lang="en-US" altLang="zh-CN" dirty="0"/>
+                        <a:t>.4727</a:t>
+                      </a:r>
+                      <a:endParaRPr lang="zh-CN" altLang="en-US" dirty="0"/>
+                    </a:p>
+                  </a:txBody>
+                  <a:tcPr anchor="ctr"/>
+                </a:tc>
+                <a:extLst>
+                  <a:ext uri="{0D108BD9-81ED-4DB2-BD59-A6C34878D82A}">
+                    <a16:rowId xmlns:a16="http://schemas.microsoft.com/office/drawing/2014/main" val="3992346467"/>
+                  </a:ext>
+                </a:extLst>
+              </a:tr>
+              <a:tr h="0">
+                <a:tc>
+                  <a:txBody>
+                    <a:bodyPr/>
+                    <a:lstStyle/>
+                    <a:p>
+                      <a:pPr algn="ctr"/>
+                      <a:r>
+                        <a:rPr lang="en-US" altLang="zh-CN" sz="1800" dirty="0" err="1"/>
+                        <a:t>Conv</a:t>
+                      </a:r>
+                      <a:r>
+                        <a:rPr lang="en-US" altLang="zh-CN" sz="1800" dirty="0"/>
+                        <a:t>-KNRM</a:t>
+                      </a:r>
+                      <a:endParaRPr lang="zh-CN" altLang="en-US" sz="1800" dirty="0"/>
+                    </a:p>
+                  </a:txBody>
+                  <a:tcPr anchor="ctr"/>
+                </a:tc>
+                <a:tc>
+                  <a:txBody>
+                    <a:bodyPr/>
+                    <a:lstStyle/>
+                    <a:p>
+                      <a:pPr algn="ctr"/>
+                      <a:r>
+                        <a:rPr lang="en-US" altLang="zh-CN" dirty="0"/>
+                        <a:t>.3182</a:t>
+                      </a:r>
+                      <a:endParaRPr lang="zh-CN" altLang="en-US" dirty="0"/>
+                    </a:p>
+                  </a:txBody>
+                  <a:tcPr anchor="ctr"/>
+                </a:tc>
+                <a:tc>
+                  <a:txBody>
+                    <a:bodyPr/>
+                    <a:lstStyle/>
+                    <a:p>
+                      <a:pPr algn="ctr"/>
+                      <a:r>
+                        <a:rPr lang="en-US" altLang="zh-CN" sz="1800" dirty="0"/>
+                        <a:t>.3054</a:t>
+                      </a:r>
+                      <a:endParaRPr lang="zh-CN" altLang="en-US" sz="1800" dirty="0"/>
+                    </a:p>
+                  </a:txBody>
+                  <a:tcPr anchor="ctr"/>
+                </a:tc>
+                <a:tc>
+                  <a:txBody>
+                    <a:bodyPr/>
+                    <a:lstStyle/>
+                    <a:p>
+                      <a:pPr algn="ctr"/>
+                      <a:r>
+                        <a:rPr lang="en-US" altLang="zh-CN" sz="1800"/>
+                        <a:t>.4876</a:t>
+                      </a:r>
+                      <a:endParaRPr lang="zh-CN" altLang="en-US" sz="1800" dirty="0"/>
+                    </a:p>
+                  </a:txBody>
+                  <a:tcPr anchor="ctr"/>
+                </a:tc>
+                <a:tc>
+                  <a:txBody>
+                    <a:bodyPr/>
+                    <a:lstStyle/>
+                    <a:p>
+                      <a:pPr algn="ctr"/>
+                      <a:r>
+                        <a:rPr lang="en-US" altLang="zh-CN" sz="1800" dirty="0"/>
+                        <a:t>.5990</a:t>
+                      </a:r>
+                      <a:endParaRPr lang="zh-CN" altLang="en-US" sz="1800" dirty="0"/>
+                    </a:p>
+                  </a:txBody>
+                  <a:tcPr anchor="ctr"/>
+                </a:tc>
+                <a:tc>
+                  <a:txBody>
+                    <a:bodyPr/>
+                    <a:lstStyle/>
+                    <a:p>
+                      <a:pPr algn="ctr"/>
+                      <a:r>
+                        <a:rPr lang="en-US" altLang="zh-CN" dirty="0"/>
+                        <a:t>.2744</a:t>
+                      </a:r>
+                      <a:endParaRPr lang="zh-CN" altLang="en-US" dirty="0"/>
+                    </a:p>
+                  </a:txBody>
+                  <a:tcPr anchor="ctr"/>
+                </a:tc>
+                <a:tc>
+                  <a:txBody>
+                    <a:bodyPr/>
+                    <a:lstStyle/>
+                    <a:p>
+                      <a:pPr algn="ctr"/>
+                      <a:r>
+                        <a:rPr lang="en-US" altLang="zh-CN" dirty="0"/>
+                        <a:t>.2850</a:t>
+                      </a:r>
+                      <a:endParaRPr lang="zh-CN" altLang="en-US" dirty="0"/>
+                    </a:p>
+                  </a:txBody>
+                  <a:tcPr anchor="ctr"/>
+                </a:tc>
+                <a:tc>
+                  <a:txBody>
+                    <a:bodyPr/>
+                    <a:lstStyle/>
+                    <a:p>
+                      <a:pPr algn="ctr"/>
+                      <a:r>
+                        <a:rPr lang="en-US" altLang="zh-CN" dirty="0"/>
+                        <a:t>.5899</a:t>
+                      </a:r>
+                      <a:endParaRPr lang="zh-CN" altLang="en-US" dirty="0"/>
+                    </a:p>
+                  </a:txBody>
+                  <a:tcPr anchor="ctr"/>
+                </a:tc>
+                <a:tc>
+                  <a:txBody>
+                    <a:bodyPr/>
+                    <a:lstStyle/>
+                    <a:p>
+                      <a:pPr algn="ctr"/>
+                      <a:r>
+                        <a:rPr lang="en-US" altLang="zh-CN" dirty="0"/>
+                        <a:t>.5221</a:t>
+                      </a:r>
+                      <a:endParaRPr lang="zh-CN" altLang="en-US" dirty="0"/>
+                    </a:p>
+                  </a:txBody>
+                  <a:tcPr anchor="ctr"/>
+                </a:tc>
+                <a:extLst>
+                  <a:ext uri="{0D108BD9-81ED-4DB2-BD59-A6C34878D82A}">
+                    <a16:rowId xmlns:a16="http://schemas.microsoft.com/office/drawing/2014/main" val="4037322625"/>
+                  </a:ext>
+                </a:extLst>
               </a:tr>
               <a:tr h="463801">
                 <a:tc>
@@ -3254,7 +3875,7 @@
                     <a:p>
                       <a:pPr algn="ctr"/>
                       <a:r>
-                        <a:rPr lang="en-US" altLang="zh-CN" dirty="0" smtClean="0"/>
+                        <a:rPr lang="en-US" altLang="zh-CN" dirty="0"/>
                         <a:t>Bert-Base(released)</a:t>
                       </a:r>
                       <a:endParaRPr lang="zh-CN" altLang="en-US" dirty="0"/>
@@ -3269,7 +3890,7 @@
                     <a:p>
                       <a:pPr algn="ctr"/>
                       <a:r>
-                        <a:rPr lang="en-US" altLang="zh-CN" dirty="0" smtClean="0"/>
+                        <a:rPr lang="en-US" altLang="zh-CN" dirty="0"/>
                         <a:t>.4108</a:t>
                       </a:r>
                       <a:endParaRPr lang="zh-CN" altLang="en-US" dirty="0"/>
@@ -3284,7 +3905,7 @@
                     <a:p>
                       <a:pPr algn="ctr"/>
                       <a:r>
-                        <a:rPr lang="en-US" altLang="zh-CN" dirty="0" smtClean="0"/>
+                        <a:rPr lang="en-US" altLang="zh-CN" dirty="0"/>
                         <a:t>.4199</a:t>
                       </a:r>
                       <a:endParaRPr lang="zh-CN" altLang="en-US" dirty="0"/>
@@ -3299,7 +3920,7 @@
                     <a:p>
                       <a:pPr algn="ctr"/>
                       <a:r>
-                        <a:rPr lang="en-US" altLang="zh-CN" dirty="0" smtClean="0"/>
+                        <a:rPr lang="en-US" altLang="zh-CN" dirty="0"/>
                         <a:t>.6054</a:t>
                       </a:r>
                       <a:endParaRPr lang="zh-CN" altLang="en-US" dirty="0"/>
@@ -3314,7 +3935,7 @@
                     <a:p>
                       <a:pPr algn="ctr"/>
                       <a:r>
-                        <a:rPr lang="en-US" altLang="zh-CN" dirty="0" smtClean="0"/>
+                        <a:rPr lang="en-US" altLang="zh-CN" dirty="0"/>
                         <a:t>.4907</a:t>
                       </a:r>
                       <a:endParaRPr lang="zh-CN" altLang="en-US" dirty="0"/>
@@ -3329,7 +3950,7 @@
                     <a:p>
                       <a:pPr algn="ctr"/>
                       <a:r>
-                        <a:rPr lang="en-US" altLang="zh-CN" dirty="0" smtClean="0"/>
+                        <a:rPr lang="en-US" altLang="zh-CN" dirty="0"/>
                         <a:t>.3709</a:t>
                       </a:r>
                       <a:endParaRPr lang="zh-CN" altLang="en-US" dirty="0"/>
@@ -3344,7 +3965,7 @@
                     <a:p>
                       <a:pPr algn="ctr"/>
                       <a:r>
-                        <a:rPr lang="en-US" altLang="zh-CN" dirty="0" smtClean="0"/>
+                        <a:rPr lang="en-US" altLang="zh-CN" dirty="0"/>
                         <a:t>.3768</a:t>
                       </a:r>
                       <a:endParaRPr lang="zh-CN" altLang="en-US" dirty="0"/>
@@ -3359,7 +3980,7 @@
                     <a:p>
                       <a:pPr algn="ctr"/>
                       <a:r>
-                        <a:rPr lang="en-US" altLang="zh-CN" dirty="0" smtClean="0"/>
+                        <a:rPr lang="en-US" altLang="zh-CN" dirty="0"/>
                         <a:t>.4625</a:t>
                       </a:r>
                       <a:endParaRPr lang="zh-CN" altLang="en-US" dirty="0"/>
@@ -3374,7 +3995,7 @@
                     <a:p>
                       <a:pPr algn="ctr"/>
                       <a:r>
-                        <a:rPr lang="en-US" altLang="zh-CN" dirty="0" smtClean="0"/>
+                        <a:rPr lang="en-US" altLang="zh-CN" dirty="0"/>
                         <a:t>.4379</a:t>
                       </a:r>
                       <a:endParaRPr lang="zh-CN" altLang="en-US" dirty="0"/>
@@ -3382,6 +4003,11 @@
                   </a:txBody>
                   <a:tcPr anchor="ctr"/>
                 </a:tc>
+                <a:extLst>
+                  <a:ext uri="{0D108BD9-81ED-4DB2-BD59-A6C34878D82A}">
+                    <a16:rowId xmlns:a16="http://schemas.microsoft.com/office/drawing/2014/main" val="10002"/>
+                  </a:ext>
+                </a:extLst>
               </a:tr>
               <a:tr h="463801">
                 <a:tc>
@@ -3391,7 +4017,7 @@
                     <a:p>
                       <a:pPr algn="ctr"/>
                       <a:r>
-                        <a:rPr lang="en-US" altLang="zh-CN" dirty="0" smtClean="0"/>
+                        <a:rPr lang="en-US" altLang="zh-CN" dirty="0"/>
                         <a:t>ICT</a:t>
                       </a:r>
                       <a:endParaRPr lang="zh-CN" altLang="en-US" dirty="0"/>
@@ -3406,7 +4032,7 @@
                     <a:p>
                       <a:pPr algn="ctr"/>
                       <a:r>
-                        <a:rPr lang="en-US" altLang="zh-CN" dirty="0" smtClean="0"/>
+                        <a:rPr lang="en-US" altLang="zh-CN" dirty="0"/>
                         <a:t>.4108</a:t>
                       </a:r>
                       <a:endParaRPr lang="zh-CN" altLang="en-US" dirty="0"/>
@@ -3421,7 +4047,7 @@
                     <a:p>
                       <a:pPr algn="ctr"/>
                       <a:r>
-                        <a:rPr lang="en-US" altLang="zh-CN" dirty="0" smtClean="0"/>
+                        <a:rPr lang="en-US" altLang="zh-CN" dirty="0"/>
                         <a:t>.4196</a:t>
                       </a:r>
                       <a:endParaRPr lang="zh-CN" altLang="en-US" dirty="0"/>
@@ -3436,7 +4062,7 @@
                     <a:p>
                       <a:pPr algn="ctr"/>
                       <a:r>
-                        <a:rPr lang="en-US" altLang="zh-CN" dirty="0" smtClean="0">
+                        <a:rPr lang="en-US" altLang="zh-CN" dirty="0">
                           <a:solidFill>
                             <a:srgbClr val="FF0000"/>
                           </a:solidFill>
@@ -3459,7 +4085,7 @@
                     <a:p>
                       <a:pPr algn="ctr"/>
                       <a:r>
-                        <a:rPr lang="en-US" altLang="zh-CN" dirty="0" smtClean="0"/>
+                        <a:rPr lang="en-US" altLang="zh-CN" dirty="0"/>
                         <a:t>.4943</a:t>
                       </a:r>
                       <a:endParaRPr lang="zh-CN" altLang="en-US" dirty="0"/>
@@ -3474,7 +4100,7 @@
                     <a:p>
                       <a:pPr algn="ctr"/>
                       <a:r>
-                        <a:rPr lang="en-US" altLang="zh-CN" dirty="0" smtClean="0"/>
+                        <a:rPr lang="en-US" altLang="zh-CN" dirty="0"/>
                         <a:t>.3770</a:t>
                       </a:r>
                       <a:endParaRPr lang="zh-CN" altLang="en-US" dirty="0"/>
@@ -3489,7 +4115,7 @@
                     <a:p>
                       <a:pPr algn="ctr"/>
                       <a:r>
-                        <a:rPr lang="en-US" altLang="zh-CN" dirty="0" smtClean="0"/>
+                        <a:rPr lang="en-US" altLang="zh-CN" dirty="0"/>
                         <a:t>.3827</a:t>
                       </a:r>
                       <a:endParaRPr lang="zh-CN" altLang="en-US" dirty="0"/>
@@ -3504,7 +4130,7 @@
                     <a:p>
                       <a:pPr algn="ctr"/>
                       <a:r>
-                        <a:rPr lang="en-US" altLang="zh-CN" dirty="0" smtClean="0"/>
+                        <a:rPr lang="en-US" altLang="zh-CN" dirty="0"/>
                         <a:t>.4673</a:t>
                       </a:r>
                       <a:endParaRPr lang="zh-CN" altLang="en-US" dirty="0"/>
@@ -3519,7 +4145,7 @@
                     <a:p>
                       <a:pPr algn="ctr"/>
                       <a:r>
-                        <a:rPr lang="en-US" altLang="zh-CN" dirty="0" smtClean="0"/>
+                        <a:rPr lang="en-US" altLang="zh-CN" dirty="0"/>
                         <a:t>.4432</a:t>
                       </a:r>
                       <a:endParaRPr lang="zh-CN" altLang="en-US" dirty="0"/>
@@ -3527,6 +4153,11 @@
                   </a:txBody>
                   <a:tcPr anchor="ctr"/>
                 </a:tc>
+                <a:extLst>
+                  <a:ext uri="{0D108BD9-81ED-4DB2-BD59-A6C34878D82A}">
+                    <a16:rowId xmlns:a16="http://schemas.microsoft.com/office/drawing/2014/main" val="10003"/>
+                  </a:ext>
+                </a:extLst>
               </a:tr>
               <a:tr h="463801">
                 <a:tc>
@@ -3536,7 +4167,7 @@
                     <a:p>
                       <a:pPr algn="ctr"/>
                       <a:r>
-                        <a:rPr lang="en-US" altLang="zh-CN" dirty="0" smtClean="0"/>
+                        <a:rPr lang="en-US" altLang="zh-CN" dirty="0"/>
                         <a:t>PROP</a:t>
                       </a:r>
                       <a:endParaRPr lang="zh-CN" altLang="en-US" dirty="0"/>
@@ -3551,7 +4182,7 @@
                     <a:p>
                       <a:pPr algn="ctr"/>
                       <a:r>
-                        <a:rPr lang="en-US" altLang="zh-CN" dirty="0" smtClean="0"/>
+                        <a:rPr lang="en-US" altLang="zh-CN" dirty="0"/>
                         <a:t>.4166</a:t>
                       </a:r>
                       <a:endParaRPr lang="zh-CN" altLang="en-US" dirty="0"/>
@@ -3566,7 +4197,7 @@
                     <a:p>
                       <a:pPr algn="ctr"/>
                       <a:r>
-                        <a:rPr lang="en-US" altLang="zh-CN" dirty="0" smtClean="0"/>
+                        <a:rPr lang="en-US" altLang="zh-CN" dirty="0"/>
                         <a:t>.4253</a:t>
                       </a:r>
                       <a:endParaRPr lang="zh-CN" altLang="en-US" dirty="0"/>
@@ -3581,7 +4212,7 @@
                     <a:p>
                       <a:pPr algn="ctr"/>
                       <a:r>
-                        <a:rPr lang="en-US" altLang="zh-CN" dirty="0" smtClean="0">
+                        <a:rPr lang="en-US" altLang="zh-CN" dirty="0">
                           <a:solidFill>
                             <a:schemeClr val="tx1"/>
                           </a:solidFill>
@@ -3604,7 +4235,7 @@
                     <a:p>
                       <a:pPr algn="ctr"/>
                       <a:r>
-                        <a:rPr lang="en-US" altLang="zh-CN" dirty="0" smtClean="0">
+                        <a:rPr lang="en-US" altLang="zh-CN" dirty="0">
                           <a:solidFill>
                             <a:schemeClr val="tx1"/>
                           </a:solidFill>
@@ -3627,7 +4258,7 @@
                     <a:p>
                       <a:pPr algn="ctr"/>
                       <a:r>
-                        <a:rPr lang="en-US" altLang="zh-CN" dirty="0" smtClean="0"/>
+                        <a:rPr lang="en-US" altLang="zh-CN" dirty="0"/>
                         <a:t>.3837</a:t>
                       </a:r>
                       <a:endParaRPr lang="zh-CN" altLang="en-US" dirty="0"/>
@@ -3642,7 +4273,7 @@
                     <a:p>
                       <a:pPr algn="ctr"/>
                       <a:r>
-                        <a:rPr lang="en-US" altLang="zh-CN" dirty="0" smtClean="0"/>
+                        <a:rPr lang="en-US" altLang="zh-CN" dirty="0"/>
                         <a:t>.3890</a:t>
                       </a:r>
                       <a:endParaRPr lang="zh-CN" altLang="en-US" dirty="0"/>
@@ -3657,7 +4288,7 @@
                     <a:p>
                       <a:pPr algn="ctr"/>
                       <a:r>
-                        <a:rPr lang="en-US" altLang="zh-CN" dirty="0" smtClean="0"/>
+                        <a:rPr lang="en-US" altLang="zh-CN" dirty="0"/>
                         <a:t>.4723</a:t>
                       </a:r>
                       <a:endParaRPr lang="zh-CN" altLang="en-US" dirty="0"/>
@@ -3672,7 +4303,7 @@
                     <a:p>
                       <a:pPr algn="ctr"/>
                       <a:r>
-                        <a:rPr lang="en-US" altLang="zh-CN" dirty="0" smtClean="0"/>
+                        <a:rPr lang="en-US" altLang="zh-CN" dirty="0"/>
                         <a:t>.4498</a:t>
                       </a:r>
                       <a:endParaRPr lang="zh-CN" altLang="en-US" dirty="0"/>
@@ -3680,6 +4311,11 @@
                   </a:txBody>
                   <a:tcPr anchor="ctr"/>
                 </a:tc>
+                <a:extLst>
+                  <a:ext uri="{0D108BD9-81ED-4DB2-BD59-A6C34878D82A}">
+                    <a16:rowId xmlns:a16="http://schemas.microsoft.com/office/drawing/2014/main" val="10004"/>
+                  </a:ext>
+                </a:extLst>
               </a:tr>
               <a:tr h="463801">
                 <a:tc>
@@ -3689,7 +4325,7 @@
                     <a:p>
                       <a:pPr algn="ctr"/>
                       <a:r>
-                        <a:rPr lang="en-US" altLang="zh-CN" dirty="0" err="1" smtClean="0"/>
+                        <a:rPr lang="en-US" altLang="zh-CN" dirty="0" err="1"/>
                         <a:t>HBert</a:t>
                       </a:r>
                       <a:endParaRPr lang="zh-CN" altLang="en-US" dirty="0"/>
@@ -3704,7 +4340,7 @@
                     <a:p>
                       <a:pPr algn="ctr"/>
                       <a:r>
-                        <a:rPr lang="en-US" altLang="zh-CN" sz="1800" dirty="0" smtClean="0"/>
+                        <a:rPr lang="en-US" altLang="zh-CN" sz="1800" dirty="0"/>
                         <a:t>.4147</a:t>
                       </a:r>
                       <a:endParaRPr lang="zh-CN" altLang="en-US" sz="1800" dirty="0"/>
@@ -3719,7 +4355,7 @@
                     <a:p>
                       <a:pPr algn="ctr"/>
                       <a:r>
-                        <a:rPr lang="en-US" altLang="zh-CN" sz="1800" dirty="0" smtClean="0"/>
+                        <a:rPr lang="en-US" altLang="zh-CN" sz="1800" dirty="0"/>
                         <a:t>.4238</a:t>
                       </a:r>
                       <a:endParaRPr lang="zh-CN" altLang="en-US" sz="1800" dirty="0"/>
@@ -3734,7 +4370,7 @@
                     <a:p>
                       <a:pPr algn="ctr"/>
                       <a:r>
-                        <a:rPr lang="en-US" altLang="zh-CN" dirty="0" smtClean="0"/>
+                        <a:rPr lang="en-US" altLang="zh-CN" dirty="0"/>
                         <a:t>.6218</a:t>
                       </a:r>
                       <a:endParaRPr lang="zh-CN" altLang="en-US" dirty="0"/>
@@ -3749,7 +4385,7 @@
                     <a:p>
                       <a:pPr algn="ctr"/>
                       <a:r>
-                        <a:rPr lang="en-US" altLang="zh-CN" dirty="0" smtClean="0">
+                        <a:rPr lang="en-US" altLang="zh-CN" dirty="0">
                           <a:solidFill>
                             <a:srgbClr val="FF0000"/>
                           </a:solidFill>
@@ -3772,7 +4408,7 @@
                     <a:p>
                       <a:pPr algn="ctr"/>
                       <a:r>
-                        <a:rPr lang="en-US" altLang="zh-CN" dirty="0" smtClean="0">
+                        <a:rPr lang="en-US" altLang="zh-CN" dirty="0">
                           <a:solidFill>
                             <a:srgbClr val="FF0000"/>
                           </a:solidFill>
@@ -3795,7 +4431,7 @@
                     <a:p>
                       <a:pPr algn="ctr"/>
                       <a:r>
-                        <a:rPr lang="en-US" altLang="zh-CN" dirty="0" smtClean="0">
+                        <a:rPr lang="en-US" altLang="zh-CN" dirty="0">
                           <a:solidFill>
                             <a:srgbClr val="FF0000"/>
                           </a:solidFill>
@@ -3818,7 +4454,7 @@
                     <a:p>
                       <a:pPr algn="ctr"/>
                       <a:r>
-                        <a:rPr lang="en-US" altLang="zh-CN" dirty="0" smtClean="0">
+                        <a:rPr lang="en-US" altLang="zh-CN" dirty="0">
                           <a:solidFill>
                             <a:srgbClr val="FF0000"/>
                           </a:solidFill>
@@ -3841,7 +4477,7 @@
                     <a:p>
                       <a:pPr algn="ctr"/>
                       <a:r>
-                        <a:rPr lang="en-US" altLang="zh-CN" dirty="0" smtClean="0">
+                        <a:rPr lang="en-US" altLang="zh-CN" dirty="0">
                           <a:solidFill>
                             <a:srgbClr val="FF0000"/>
                           </a:solidFill>
@@ -3857,6 +4493,11 @@
                   </a:txBody>
                   <a:tcPr anchor="ctr"/>
                 </a:tc>
+                <a:extLst>
+                  <a:ext uri="{0D108BD9-81ED-4DB2-BD59-A6C34878D82A}">
+                    <a16:rowId xmlns:a16="http://schemas.microsoft.com/office/drawing/2014/main" val="10005"/>
+                  </a:ext>
+                </a:extLst>
               </a:tr>
               <a:tr h="463801">
                 <a:tc>
@@ -3866,7 +4507,7 @@
                     <a:p>
                       <a:pPr algn="ctr"/>
                       <a:r>
-                        <a:rPr lang="en-US" altLang="zh-CN" dirty="0" smtClean="0"/>
+                        <a:rPr lang="en-US" altLang="zh-CN" dirty="0"/>
                         <a:t>2layer+share</a:t>
                       </a:r>
                       <a:endParaRPr lang="zh-CN" altLang="en-US" dirty="0"/>
@@ -3881,7 +4522,7 @@
                     <a:p>
                       <a:pPr algn="ctr"/>
                       <a:r>
-                        <a:rPr lang="en-US" altLang="zh-CN" sz="1800" dirty="0" smtClean="0"/>
+                        <a:rPr lang="en-US" altLang="zh-CN" sz="1800" dirty="0"/>
                         <a:t>.4165</a:t>
                       </a:r>
                       <a:endParaRPr lang="zh-CN" altLang="en-US" sz="1800" dirty="0"/>
@@ -3896,7 +4537,7 @@
                     <a:p>
                       <a:pPr algn="ctr"/>
                       <a:r>
-                        <a:rPr lang="en-US" altLang="zh-CN" sz="1800" dirty="0" smtClean="0"/>
+                        <a:rPr lang="en-US" altLang="zh-CN" sz="1800" dirty="0"/>
                         <a:t>.4256</a:t>
                       </a:r>
                       <a:endParaRPr lang="zh-CN" altLang="en-US" sz="1800" dirty="0"/>
@@ -3911,7 +4552,7 @@
                     <a:p>
                       <a:pPr algn="ctr"/>
                       <a:r>
-                        <a:rPr lang="en-US" altLang="zh-CN" dirty="0" smtClean="0"/>
+                        <a:rPr lang="en-US" altLang="zh-CN" dirty="0"/>
                         <a:t>.6047</a:t>
                       </a:r>
                       <a:endParaRPr lang="zh-CN" altLang="en-US" dirty="0"/>
@@ -3926,7 +4567,7 @@
                     <a:p>
                       <a:pPr algn="ctr"/>
                       <a:r>
-                        <a:rPr lang="en-US" altLang="zh-CN" dirty="0" smtClean="0"/>
+                        <a:rPr lang="en-US" altLang="zh-CN" dirty="0"/>
                         <a:t>.4882</a:t>
                       </a:r>
                       <a:endParaRPr lang="zh-CN" altLang="en-US" dirty="0"/>
@@ -3941,7 +4582,7 @@
                     <a:p>
                       <a:pPr algn="ctr"/>
                       <a:r>
-                        <a:rPr lang="en-US" altLang="zh-CN" dirty="0" smtClean="0"/>
+                        <a:rPr lang="en-US" altLang="zh-CN" dirty="0"/>
                         <a:t>.3876</a:t>
                       </a:r>
                       <a:endParaRPr lang="zh-CN" altLang="en-US" dirty="0"/>
@@ -3956,7 +4597,7 @@
                     <a:p>
                       <a:pPr algn="ctr"/>
                       <a:r>
-                        <a:rPr lang="en-US" altLang="zh-CN" dirty="0" smtClean="0">
+                        <a:rPr lang="en-US" altLang="zh-CN" dirty="0">
                           <a:solidFill>
                             <a:schemeClr val="tx1"/>
                           </a:solidFill>
@@ -3979,7 +4620,7 @@
                     <a:p>
                       <a:pPr algn="ctr"/>
                       <a:r>
-                        <a:rPr lang="en-US" altLang="zh-CN" dirty="0" smtClean="0"/>
+                        <a:rPr lang="en-US" altLang="zh-CN" dirty="0"/>
                         <a:t>.6325</a:t>
                       </a:r>
                       <a:endParaRPr lang="zh-CN" altLang="en-US" dirty="0"/>
@@ -3994,7 +4635,7 @@
                     <a:p>
                       <a:pPr algn="ctr"/>
                       <a:r>
-                        <a:rPr lang="en-US" altLang="zh-CN" dirty="0" smtClean="0">
+                        <a:rPr lang="en-US" altLang="zh-CN" dirty="0">
                           <a:solidFill>
                             <a:schemeClr val="tx1"/>
                           </a:solidFill>
@@ -4010,6 +4651,11 @@
                   </a:txBody>
                   <a:tcPr anchor="ctr"/>
                 </a:tc>
+                <a:extLst>
+                  <a:ext uri="{0D108BD9-81ED-4DB2-BD59-A6C34878D82A}">
+                    <a16:rowId xmlns:a16="http://schemas.microsoft.com/office/drawing/2014/main" val="10006"/>
+                  </a:ext>
+                </a:extLst>
               </a:tr>
               <a:tr h="463801">
                 <a:tc>
@@ -4019,7 +4665,7 @@
                     <a:p>
                       <a:pPr algn="ctr"/>
                       <a:r>
-                        <a:rPr lang="en-US" altLang="zh-CN" dirty="0" smtClean="0"/>
+                        <a:rPr lang="en-US" altLang="zh-CN" dirty="0"/>
                         <a:t>1layer+share</a:t>
                       </a:r>
                       <a:endParaRPr lang="zh-CN" altLang="en-US" dirty="0"/>
@@ -4034,7 +4680,7 @@
                     <a:p>
                       <a:pPr algn="ctr"/>
                       <a:r>
-                        <a:rPr lang="en-US" altLang="zh-CN" sz="1800" dirty="0" smtClean="0">
+                        <a:rPr lang="en-US" altLang="zh-CN" sz="1800" dirty="0">
                           <a:solidFill>
                             <a:srgbClr val="FF0000"/>
                           </a:solidFill>
@@ -4057,7 +4703,7 @@
                     <a:p>
                       <a:pPr algn="ctr"/>
                       <a:r>
-                        <a:rPr lang="en-US" altLang="zh-CN" sz="1800" dirty="0" smtClean="0">
+                        <a:rPr lang="en-US" altLang="zh-CN" sz="1800" dirty="0">
                           <a:solidFill>
                             <a:srgbClr val="FF0000"/>
                           </a:solidFill>
@@ -4080,7 +4726,7 @@
                     <a:p>
                       <a:pPr algn="ctr"/>
                       <a:r>
-                        <a:rPr lang="en-US" altLang="zh-CN" dirty="0" smtClean="0"/>
+                        <a:rPr lang="en-US" altLang="zh-CN" dirty="0"/>
                         <a:t>.5988</a:t>
                       </a:r>
                       <a:endParaRPr lang="zh-CN" altLang="en-US" dirty="0"/>
@@ -4095,7 +4741,7 @@
                     <a:p>
                       <a:pPr algn="ctr"/>
                       <a:r>
-                        <a:rPr lang="en-US" altLang="zh-CN" dirty="0" smtClean="0"/>
+                        <a:rPr lang="en-US" altLang="zh-CN" dirty="0"/>
                         <a:t>.4866</a:t>
                       </a:r>
                       <a:endParaRPr lang="zh-CN" altLang="en-US" dirty="0"/>
@@ -4110,7 +4756,7 @@
                     <a:p>
                       <a:pPr algn="ctr"/>
                       <a:r>
-                        <a:rPr lang="en-US" altLang="zh-CN" dirty="0" smtClean="0"/>
+                        <a:rPr lang="en-US" altLang="zh-CN" dirty="0"/>
                         <a:t>.3810</a:t>
                       </a:r>
                       <a:endParaRPr lang="zh-CN" altLang="en-US" dirty="0"/>
@@ -4125,7 +4771,7 @@
                     <a:p>
                       <a:pPr algn="ctr"/>
                       <a:r>
-                        <a:rPr lang="en-US" altLang="zh-CN" dirty="0" smtClean="0"/>
+                        <a:rPr lang="en-US" altLang="zh-CN" dirty="0"/>
                         <a:t>.3872</a:t>
                       </a:r>
                       <a:endParaRPr lang="zh-CN" altLang="en-US" dirty="0"/>
@@ -4140,7 +4786,7 @@
                     <a:p>
                       <a:pPr algn="ctr"/>
                       <a:r>
-                        <a:rPr lang="en-US" altLang="zh-CN" dirty="0" smtClean="0"/>
+                        <a:rPr lang="en-US" altLang="zh-CN" dirty="0"/>
                         <a:t>.6237</a:t>
                       </a:r>
                       <a:endParaRPr lang="zh-CN" altLang="en-US" dirty="0"/>
@@ -4155,7 +4801,7 @@
                     <a:p>
                       <a:pPr algn="ctr"/>
                       <a:r>
-                        <a:rPr lang="en-US" altLang="zh-CN" dirty="0" smtClean="0"/>
+                        <a:rPr lang="en-US" altLang="zh-CN" dirty="0"/>
                         <a:t>.5266</a:t>
                       </a:r>
                       <a:endParaRPr lang="zh-CN" altLang="en-US" dirty="0"/>
@@ -4163,6 +4809,11 @@
                   </a:txBody>
                   <a:tcPr anchor="ctr"/>
                 </a:tc>
+                <a:extLst>
+                  <a:ext uri="{0D108BD9-81ED-4DB2-BD59-A6C34878D82A}">
+                    <a16:rowId xmlns:a16="http://schemas.microsoft.com/office/drawing/2014/main" val="10007"/>
+                  </a:ext>
+                </a:extLst>
               </a:tr>
               <a:tr h="463801">
                 <a:tc>
@@ -4172,7 +4823,7 @@
                     <a:p>
                       <a:pPr algn="ctr"/>
                       <a:r>
-                        <a:rPr lang="en-US" altLang="zh-CN" dirty="0" smtClean="0"/>
+                        <a:rPr lang="en-US" altLang="zh-CN" dirty="0"/>
                         <a:t>1layer+not_share</a:t>
                       </a:r>
                       <a:endParaRPr lang="zh-CN" altLang="en-US" dirty="0"/>
@@ -4187,7 +4838,7 @@
                     <a:p>
                       <a:pPr algn="ctr"/>
                       <a:r>
-                        <a:rPr lang="en-US" altLang="zh-CN" sz="1800" dirty="0" smtClean="0"/>
+                        <a:rPr lang="en-US" altLang="zh-CN" sz="1800" dirty="0"/>
                         <a:t>.4180</a:t>
                       </a:r>
                       <a:endParaRPr lang="zh-CN" altLang="en-US" sz="1800" dirty="0"/>
@@ -4202,7 +4853,7 @@
                     <a:p>
                       <a:pPr algn="ctr"/>
                       <a:r>
-                        <a:rPr lang="en-US" altLang="zh-CN" sz="1800" dirty="0" smtClean="0"/>
+                        <a:rPr lang="en-US" altLang="zh-CN" sz="1800" dirty="0"/>
                         <a:t>.4272</a:t>
                       </a:r>
                       <a:endParaRPr lang="zh-CN" altLang="en-US" sz="1800" dirty="0"/>
@@ -4217,7 +4868,7 @@
                     <a:p>
                       <a:pPr algn="ctr"/>
                       <a:r>
-                        <a:rPr lang="en-US" altLang="zh-CN" dirty="0" smtClean="0"/>
+                        <a:rPr lang="en-US" altLang="zh-CN" dirty="0"/>
                         <a:t>.6004</a:t>
                       </a:r>
                       <a:endParaRPr lang="zh-CN" altLang="en-US" dirty="0"/>
@@ -4232,7 +4883,7 @@
                     <a:p>
                       <a:pPr algn="ctr"/>
                       <a:r>
-                        <a:rPr lang="en-US" altLang="zh-CN" dirty="0" smtClean="0"/>
+                        <a:rPr lang="en-US" altLang="zh-CN" dirty="0"/>
                         <a:t>.4880</a:t>
                       </a:r>
                       <a:endParaRPr lang="zh-CN" altLang="en-US" dirty="0"/>
@@ -4247,7 +4898,7 @@
                     <a:p>
                       <a:pPr algn="ctr"/>
                       <a:r>
-                        <a:rPr lang="en-US" altLang="zh-CN" dirty="0" smtClean="0"/>
+                        <a:rPr lang="en-US" altLang="zh-CN" dirty="0"/>
                         <a:t>.3801</a:t>
                       </a:r>
                       <a:endParaRPr lang="zh-CN" altLang="en-US" dirty="0"/>
@@ -4262,7 +4913,7 @@
                     <a:p>
                       <a:pPr algn="ctr"/>
                       <a:r>
-                        <a:rPr lang="en-US" altLang="zh-CN" dirty="0" smtClean="0"/>
+                        <a:rPr lang="en-US" altLang="zh-CN" dirty="0"/>
                         <a:t>.3862</a:t>
                       </a:r>
                       <a:endParaRPr lang="zh-CN" altLang="en-US" dirty="0"/>
@@ -4277,7 +4928,7 @@
                     <a:p>
                       <a:pPr algn="ctr"/>
                       <a:r>
-                        <a:rPr lang="en-US" altLang="zh-CN" dirty="0" smtClean="0"/>
+                        <a:rPr lang="en-US" altLang="zh-CN" dirty="0"/>
                         <a:t>.6226</a:t>
                       </a:r>
                       <a:endParaRPr lang="zh-CN" altLang="en-US" dirty="0"/>
@@ -4292,7 +4943,7 @@
                     <a:p>
                       <a:pPr algn="ctr"/>
                       <a:r>
-                        <a:rPr lang="en-US" altLang="zh-CN" dirty="0" smtClean="0">
+                        <a:rPr lang="en-US" altLang="zh-CN" dirty="0">
                           <a:solidFill>
                             <a:schemeClr val="tx1"/>
                           </a:solidFill>
@@ -4308,6 +4959,11 @@
                   </a:txBody>
                   <a:tcPr anchor="ctr"/>
                 </a:tc>
+                <a:extLst>
+                  <a:ext uri="{0D108BD9-81ED-4DB2-BD59-A6C34878D82A}">
+                    <a16:rowId xmlns:a16="http://schemas.microsoft.com/office/drawing/2014/main" val="10008"/>
+                  </a:ext>
+                </a:extLst>
               </a:tr>
               <a:tr h="463801">
                 <a:tc>
@@ -4317,7 +4973,7 @@
                     <a:p>
                       <a:pPr algn="ctr"/>
                       <a:r>
-                        <a:rPr lang="en-US" altLang="zh-CN" dirty="0" smtClean="0"/>
+                        <a:rPr lang="en-US" altLang="zh-CN" dirty="0"/>
                         <a:t>3layer+share</a:t>
                       </a:r>
                       <a:endParaRPr lang="zh-CN" altLang="en-US" dirty="0"/>
@@ -4332,7 +4988,7 @@
                     <a:p>
                       <a:pPr algn="ctr"/>
                       <a:r>
-                        <a:rPr lang="en-US" altLang="zh-CN" sz="1800" dirty="0" smtClean="0"/>
+                        <a:rPr lang="en-US" altLang="zh-CN" sz="1800" dirty="0"/>
                         <a:t>.4163</a:t>
                       </a:r>
                       <a:endParaRPr lang="zh-CN" altLang="en-US" sz="1800" dirty="0"/>
@@ -4347,7 +5003,7 @@
                     <a:p>
                       <a:pPr algn="ctr"/>
                       <a:r>
-                        <a:rPr lang="en-US" altLang="zh-CN" sz="1800" dirty="0" smtClean="0"/>
+                        <a:rPr lang="en-US" altLang="zh-CN" sz="1800" dirty="0"/>
                         <a:t>.4252</a:t>
                       </a:r>
                       <a:endParaRPr lang="zh-CN" altLang="en-US" sz="1800" dirty="0"/>
@@ -4362,7 +5018,7 @@
                     <a:p>
                       <a:pPr algn="ctr"/>
                       <a:r>
-                        <a:rPr lang="en-US" altLang="zh-CN" dirty="0" smtClean="0"/>
+                        <a:rPr lang="en-US" altLang="zh-CN" dirty="0"/>
                         <a:t>.6014</a:t>
                       </a:r>
                       <a:endParaRPr lang="zh-CN" altLang="en-US" dirty="0"/>
@@ -4377,7 +5033,7 @@
                     <a:p>
                       <a:pPr algn="ctr"/>
                       <a:r>
-                        <a:rPr lang="en-US" altLang="zh-CN" dirty="0" smtClean="0"/>
+                        <a:rPr lang="en-US" altLang="zh-CN" dirty="0"/>
                         <a:t>.4895</a:t>
                       </a:r>
                       <a:endParaRPr lang="zh-CN" altLang="en-US" dirty="0"/>
@@ -4392,7 +5048,7 @@
                     <a:p>
                       <a:pPr algn="ctr"/>
                       <a:r>
-                        <a:rPr lang="en-US" altLang="zh-CN" dirty="0" smtClean="0">
+                        <a:rPr lang="en-US" altLang="zh-CN" dirty="0">
                           <a:solidFill>
                             <a:schemeClr val="tx1"/>
                           </a:solidFill>
@@ -4415,7 +5071,7 @@
                     <a:p>
                       <a:pPr algn="ctr"/>
                       <a:r>
-                        <a:rPr lang="en-US" altLang="zh-CN" dirty="0" smtClean="0">
+                        <a:rPr lang="en-US" altLang="zh-CN" dirty="0">
                           <a:solidFill>
                             <a:schemeClr val="tx1"/>
                           </a:solidFill>
@@ -4438,7 +5094,7 @@
                     <a:p>
                       <a:pPr algn="ctr"/>
                       <a:r>
-                        <a:rPr lang="en-US" altLang="zh-CN" dirty="0" smtClean="0">
+                        <a:rPr lang="en-US" altLang="zh-CN" dirty="0">
                           <a:solidFill>
                             <a:schemeClr val="tx1"/>
                           </a:solidFill>
@@ -4461,7 +5117,7 @@
                     <a:p>
                       <a:pPr algn="ctr"/>
                       <a:r>
-                        <a:rPr lang="en-US" altLang="zh-CN" dirty="0" smtClean="0"/>
+                        <a:rPr lang="en-US" altLang="zh-CN" dirty="0"/>
                         <a:t>.5257</a:t>
                       </a:r>
                       <a:endParaRPr lang="zh-CN" altLang="en-US" dirty="0"/>
@@ -4469,6 +5125,11 @@
                   </a:txBody>
                   <a:tcPr anchor="ctr"/>
                 </a:tc>
+                <a:extLst>
+                  <a:ext uri="{0D108BD9-81ED-4DB2-BD59-A6C34878D82A}">
+                    <a16:rowId xmlns:a16="http://schemas.microsoft.com/office/drawing/2014/main" val="10009"/>
+                  </a:ext>
+                </a:extLst>
               </a:tr>
             </a:tbl>
           </a:graphicData>
@@ -4484,17 +5145,2417 @@
   <p:clrMapOvr>
     <a:masterClrMapping/>
   </p:clrMapOvr>
-  <p:timing>
-    <p:tnLst>
-      <p:par>
-        <p:cTn id="1" dur="indefinite" restart="never" nodeType="tmRoot"/>
-      </p:par>
-    </p:tnLst>
-  </p:timing>
 </p:sld>
 </file>
 
 <file path=ppt/slides/slide2.xml><?xml version="1.0" encoding="utf-8"?>
+<p:sld xmlns:a="http://schemas.openxmlformats.org/drawingml/2006/main" xmlns:r="http://schemas.openxmlformats.org/officeDocument/2006/relationships" xmlns:p="http://schemas.openxmlformats.org/presentationml/2006/main">
+  <p:cSld>
+    <p:spTree>
+      <p:nvGrpSpPr>
+        <p:cNvPr id="1" name=""/>
+        <p:cNvGrpSpPr/>
+        <p:nvPr/>
+      </p:nvGrpSpPr>
+      <p:grpSpPr>
+        <a:xfrm>
+          <a:off x="0" y="0"/>
+          <a:ext cx="0" cy="0"/>
+          <a:chOff x="0" y="0"/>
+          <a:chExt cx="0" cy="0"/>
+        </a:xfrm>
+      </p:grpSpPr>
+      <p:graphicFrame>
+        <p:nvGraphicFramePr>
+          <p:cNvPr id="4" name="表格 3"/>
+          <p:cNvGraphicFramePr>
+            <a:graphicFrameLocks noGrp="1"/>
+          </p:cNvGraphicFramePr>
+          <p:nvPr>
+            <p:extLst>
+              <p:ext uri="{D42A27DB-BD31-4B8C-83A1-F6EECF244321}">
+                <p14:modId xmlns:p14="http://schemas.microsoft.com/office/powerpoint/2010/main" val="44360242"/>
+              </p:ext>
+            </p:extLst>
+          </p:nvPr>
+        </p:nvGraphicFramePr>
+        <p:xfrm>
+          <a:off x="870098" y="328261"/>
+          <a:ext cx="11028219" cy="6201478"/>
+        </p:xfrm>
+        <a:graphic>
+          <a:graphicData uri="http://schemas.openxmlformats.org/drawingml/2006/table">
+            <a:tbl>
+              <a:tblPr firstRow="1" bandRow="1">
+                <a:tableStyleId>{5C22544A-7EE6-4342-B048-85BDC9FD1C3A}</a:tableStyleId>
+              </a:tblPr>
+              <a:tblGrid>
+                <a:gridCol w="2348356">
+                  <a:extLst>
+                    <a:ext uri="{9D8B030D-6E8A-4147-A177-3AD203B41FA5}">
+                      <a16:colId xmlns:a16="http://schemas.microsoft.com/office/drawing/2014/main" val="20000"/>
+                    </a:ext>
+                  </a:extLst>
+                </a:gridCol>
+                <a:gridCol w="1014100">
+                  <a:extLst>
+                    <a:ext uri="{9D8B030D-6E8A-4147-A177-3AD203B41FA5}">
+                      <a16:colId xmlns:a16="http://schemas.microsoft.com/office/drawing/2014/main" val="20001"/>
+                    </a:ext>
+                  </a:extLst>
+                </a:gridCol>
+                <a:gridCol w="983289">
+                  <a:extLst>
+                    <a:ext uri="{9D8B030D-6E8A-4147-A177-3AD203B41FA5}">
+                      <a16:colId xmlns:a16="http://schemas.microsoft.com/office/drawing/2014/main" val="20002"/>
+                    </a:ext>
+                  </a:extLst>
+                </a:gridCol>
+                <a:gridCol w="983289">
+                  <a:extLst>
+                    <a:ext uri="{9D8B030D-6E8A-4147-A177-3AD203B41FA5}">
+                      <a16:colId xmlns:a16="http://schemas.microsoft.com/office/drawing/2014/main" val="20003"/>
+                    </a:ext>
+                  </a:extLst>
+                </a:gridCol>
+                <a:gridCol w="983289">
+                  <a:extLst>
+                    <a:ext uri="{9D8B030D-6E8A-4147-A177-3AD203B41FA5}">
+                      <a16:colId xmlns:a16="http://schemas.microsoft.com/office/drawing/2014/main" val="20004"/>
+                    </a:ext>
+                  </a:extLst>
+                </a:gridCol>
+                <a:gridCol w="1332568">
+                  <a:extLst>
+                    <a:ext uri="{9D8B030D-6E8A-4147-A177-3AD203B41FA5}">
+                      <a16:colId xmlns:a16="http://schemas.microsoft.com/office/drawing/2014/main" val="20005"/>
+                    </a:ext>
+                  </a:extLst>
+                </a:gridCol>
+                <a:gridCol w="1245372">
+                  <a:extLst>
+                    <a:ext uri="{9D8B030D-6E8A-4147-A177-3AD203B41FA5}">
+                      <a16:colId xmlns:a16="http://schemas.microsoft.com/office/drawing/2014/main" val="20006"/>
+                    </a:ext>
+                  </a:extLst>
+                </a:gridCol>
+                <a:gridCol w="1067461">
+                  <a:extLst>
+                    <a:ext uri="{9D8B030D-6E8A-4147-A177-3AD203B41FA5}">
+                      <a16:colId xmlns:a16="http://schemas.microsoft.com/office/drawing/2014/main" val="20007"/>
+                    </a:ext>
+                  </a:extLst>
+                </a:gridCol>
+                <a:gridCol w="1070495">
+                  <a:extLst>
+                    <a:ext uri="{9D8B030D-6E8A-4147-A177-3AD203B41FA5}">
+                      <a16:colId xmlns:a16="http://schemas.microsoft.com/office/drawing/2014/main" val="20008"/>
+                    </a:ext>
+                  </a:extLst>
+                </a:gridCol>
+              </a:tblGrid>
+              <a:tr h="387950">
+                <a:tc>
+                  <a:txBody>
+                    <a:bodyPr/>
+                    <a:lstStyle/>
+                    <a:p>
+                      <a:pPr algn="ctr"/>
+                      <a:endParaRPr lang="zh-CN" altLang="en-US" dirty="0"/>
+                    </a:p>
+                  </a:txBody>
+                  <a:tcPr anchor="ctr"/>
+                </a:tc>
+                <a:tc gridSpan="4">
+                  <a:txBody>
+                    <a:bodyPr/>
+                    <a:lstStyle/>
+                    <a:p>
+                      <a:pPr algn="ctr"/>
+                      <a:r>
+                        <a:rPr lang="en-US" altLang="zh-CN" dirty="0" err="1"/>
+                        <a:t>ance</a:t>
+                      </a:r>
+                      <a:endParaRPr lang="zh-CN" altLang="en-US" dirty="0"/>
+                    </a:p>
+                  </a:txBody>
+                  <a:tcPr anchor="ctr"/>
+                </a:tc>
+                <a:tc hMerge="1">
+                  <a:txBody>
+                    <a:bodyPr/>
+                    <a:lstStyle/>
+                    <a:p>
+                      <a:pPr algn="ctr"/>
+                      <a:endParaRPr lang="zh-CN" altLang="en-US" dirty="0"/>
+                    </a:p>
+                  </a:txBody>
+                  <a:tcPr anchor="ctr"/>
+                </a:tc>
+                <a:tc hMerge="1">
+                  <a:txBody>
+                    <a:bodyPr/>
+                    <a:lstStyle/>
+                    <a:p>
+                      <a:pPr algn="ctr"/>
+                      <a:endParaRPr lang="zh-CN" altLang="en-US" dirty="0"/>
+                    </a:p>
+                  </a:txBody>
+                  <a:tcPr anchor="ctr"/>
+                </a:tc>
+                <a:tc hMerge="1">
+                  <a:txBody>
+                    <a:bodyPr/>
+                    <a:lstStyle/>
+                    <a:p>
+                      <a:pPr algn="ctr"/>
+                      <a:endParaRPr lang="zh-CN" altLang="en-US" dirty="0"/>
+                    </a:p>
+                  </a:txBody>
+                  <a:tcPr anchor="ctr"/>
+                </a:tc>
+                <a:tc gridSpan="4">
+                  <a:txBody>
+                    <a:bodyPr/>
+                    <a:lstStyle/>
+                    <a:p>
+                      <a:pPr algn="ctr"/>
+                      <a:r>
+                        <a:rPr lang="en-US" altLang="zh-CN" dirty="0" err="1"/>
+                        <a:t>offcial</a:t>
+                      </a:r>
+                      <a:endParaRPr lang="zh-CN" altLang="en-US" dirty="0"/>
+                    </a:p>
+                  </a:txBody>
+                  <a:tcPr anchor="ctr"/>
+                </a:tc>
+                <a:tc hMerge="1">
+                  <a:txBody>
+                    <a:bodyPr/>
+                    <a:lstStyle/>
+                    <a:p>
+                      <a:pPr algn="ctr"/>
+                      <a:endParaRPr lang="zh-CN" altLang="en-US" dirty="0"/>
+                    </a:p>
+                  </a:txBody>
+                  <a:tcPr anchor="ctr"/>
+                </a:tc>
+                <a:tc hMerge="1">
+                  <a:txBody>
+                    <a:bodyPr/>
+                    <a:lstStyle/>
+                    <a:p>
+                      <a:pPr algn="ctr"/>
+                      <a:endParaRPr lang="zh-CN" altLang="en-US" dirty="0"/>
+                    </a:p>
+                  </a:txBody>
+                  <a:tcPr anchor="ctr"/>
+                </a:tc>
+                <a:tc hMerge="1">
+                  <a:txBody>
+                    <a:bodyPr/>
+                    <a:lstStyle/>
+                    <a:p>
+                      <a:pPr algn="ctr"/>
+                      <a:endParaRPr lang="zh-CN" altLang="en-US" dirty="0"/>
+                    </a:p>
+                  </a:txBody>
+                  <a:tcPr anchor="ctr"/>
+                </a:tc>
+                <a:extLst>
+                  <a:ext uri="{0D108BD9-81ED-4DB2-BD59-A6C34878D82A}">
+                    <a16:rowId xmlns:a16="http://schemas.microsoft.com/office/drawing/2014/main" val="10000"/>
+                  </a:ext>
+                </a:extLst>
+              </a:tr>
+              <a:tr h="0">
+                <a:tc>
+                  <a:txBody>
+                    <a:bodyPr/>
+                    <a:lstStyle/>
+                    <a:p>
+                      <a:pPr algn="ctr"/>
+                      <a:r>
+                        <a:rPr lang="en-US" altLang="zh-CN" dirty="0"/>
+                        <a:t>Model</a:t>
+                      </a:r>
+                      <a:endParaRPr lang="zh-CN" altLang="en-US" dirty="0"/>
+                    </a:p>
+                  </a:txBody>
+                  <a:tcPr anchor="ctr"/>
+                </a:tc>
+                <a:tc>
+                  <a:txBody>
+                    <a:bodyPr/>
+                    <a:lstStyle/>
+                    <a:p>
+                      <a:pPr algn="ctr"/>
+                      <a:r>
+                        <a:rPr lang="en-US" altLang="zh-CN" dirty="0"/>
+                        <a:t>MRR@10</a:t>
+                      </a:r>
+                      <a:endParaRPr lang="zh-CN" altLang="en-US" dirty="0"/>
+                    </a:p>
+                  </a:txBody>
+                  <a:tcPr anchor="ctr"/>
+                </a:tc>
+                <a:tc>
+                  <a:txBody>
+                    <a:bodyPr/>
+                    <a:lstStyle/>
+                    <a:p>
+                      <a:pPr algn="ctr"/>
+                      <a:r>
+                        <a:rPr lang="en-US" altLang="zh-CN" dirty="0"/>
+                        <a:t>MRR@100</a:t>
+                      </a:r>
+                      <a:endParaRPr lang="zh-CN" altLang="en-US" dirty="0"/>
+                    </a:p>
+                  </a:txBody>
+                  <a:tcPr anchor="ctr"/>
+                </a:tc>
+                <a:tc>
+                  <a:txBody>
+                    <a:bodyPr/>
+                    <a:lstStyle/>
+                    <a:p>
+                      <a:pPr algn="ctr"/>
+                      <a:r>
+                        <a:rPr lang="en-US" altLang="zh-CN" dirty="0"/>
+                        <a:t>ndcg@10</a:t>
+                      </a:r>
+                      <a:endParaRPr lang="zh-CN" altLang="en-US" dirty="0"/>
+                    </a:p>
+                  </a:txBody>
+                  <a:tcPr anchor="ctr"/>
+                </a:tc>
+                <a:tc>
+                  <a:txBody>
+                    <a:bodyPr/>
+                    <a:lstStyle/>
+                    <a:p>
+                      <a:pPr algn="ctr"/>
+                      <a:r>
+                        <a:rPr lang="en-US" altLang="zh-CN" dirty="0"/>
+                        <a:t>ndcg@100</a:t>
+                      </a:r>
+                      <a:endParaRPr lang="zh-CN" altLang="en-US" dirty="0"/>
+                    </a:p>
+                  </a:txBody>
+                  <a:tcPr anchor="ctr"/>
+                </a:tc>
+                <a:tc>
+                  <a:txBody>
+                    <a:bodyPr/>
+                    <a:lstStyle/>
+                    <a:p>
+                      <a:pPr algn="ctr"/>
+                      <a:r>
+                        <a:rPr lang="en-US" altLang="zh-CN" dirty="0"/>
+                        <a:t>MRR@10</a:t>
+                      </a:r>
+                      <a:endParaRPr lang="zh-CN" altLang="en-US" dirty="0"/>
+                    </a:p>
+                  </a:txBody>
+                  <a:tcPr anchor="ctr"/>
+                </a:tc>
+                <a:tc>
+                  <a:txBody>
+                    <a:bodyPr/>
+                    <a:lstStyle/>
+                    <a:p>
+                      <a:pPr algn="ctr"/>
+                      <a:r>
+                        <a:rPr lang="en-US" altLang="zh-CN" dirty="0"/>
+                        <a:t>MRR@100</a:t>
+                      </a:r>
+                      <a:endParaRPr lang="zh-CN" altLang="en-US" dirty="0"/>
+                    </a:p>
+                  </a:txBody>
+                  <a:tcPr anchor="ctr"/>
+                </a:tc>
+                <a:tc>
+                  <a:txBody>
+                    <a:bodyPr/>
+                    <a:lstStyle/>
+                    <a:p>
+                      <a:pPr algn="ctr"/>
+                      <a:r>
+                        <a:rPr lang="en-US" altLang="zh-CN" dirty="0"/>
+                        <a:t>ndcg@10</a:t>
+                      </a:r>
+                      <a:endParaRPr lang="zh-CN" altLang="en-US" dirty="0"/>
+                    </a:p>
+                  </a:txBody>
+                  <a:tcPr anchor="ctr"/>
+                </a:tc>
+                <a:tc>
+                  <a:txBody>
+                    <a:bodyPr/>
+                    <a:lstStyle/>
+                    <a:p>
+                      <a:pPr algn="ctr"/>
+                      <a:r>
+                        <a:rPr lang="en-US" altLang="zh-CN" dirty="0"/>
+                        <a:t>ndcg@100</a:t>
+                      </a:r>
+                      <a:endParaRPr lang="zh-CN" altLang="en-US" dirty="0"/>
+                    </a:p>
+                  </a:txBody>
+                  <a:tcPr anchor="ctr"/>
+                </a:tc>
+                <a:extLst>
+                  <a:ext uri="{0D108BD9-81ED-4DB2-BD59-A6C34878D82A}">
+                    <a16:rowId xmlns:a16="http://schemas.microsoft.com/office/drawing/2014/main" val="10001"/>
+                  </a:ext>
+                </a:extLst>
+              </a:tr>
+              <a:tr h="0">
+                <a:tc>
+                  <a:txBody>
+                    <a:bodyPr/>
+                    <a:lstStyle/>
+                    <a:p>
+                      <a:pPr algn="ctr"/>
+                      <a:r>
+                        <a:rPr lang="en-US" altLang="zh-CN" sz="1800" dirty="0"/>
+                        <a:t>DRMM</a:t>
+                      </a:r>
+                      <a:endParaRPr lang="zh-CN" altLang="en-US" sz="1800" dirty="0"/>
+                    </a:p>
+                  </a:txBody>
+                  <a:tcPr anchor="ctr"/>
+                </a:tc>
+                <a:tc>
+                  <a:txBody>
+                    <a:bodyPr/>
+                    <a:lstStyle/>
+                    <a:p>
+                      <a:pPr marL="0" algn="ctr" rtl="0" eaLnBrk="1" fontAlgn="ctr" latinLnBrk="0" hangingPunct="1">
+                        <a:spcBef>
+                          <a:spcPts val="0"/>
+                        </a:spcBef>
+                        <a:spcAft>
+                          <a:spcPts val="0"/>
+                        </a:spcAft>
+                      </a:pPr>
+                      <a:r>
+                        <a:rPr lang="en-US" sz="1800" b="1" i="0" u="none" strike="noStrike" kern="1200">
+                          <a:solidFill>
+                            <a:srgbClr val="FFFFFF"/>
+                          </a:solidFill>
+                          <a:effectLst/>
+                          <a:latin typeface="Calibri" panose="020F0502020204030204" pitchFamily="34" charset="0"/>
+                        </a:rPr>
+                        <a:t>.0943</a:t>
+                      </a:r>
+                      <a:endParaRPr lang="en-US" altLang="zh-CN" sz="1800" b="0" i="0" u="none" strike="noStrike">
+                        <a:effectLst/>
+                        <a:latin typeface="Arial" panose="020B0604020202020204" pitchFamily="34" charset="0"/>
+                      </a:endParaRPr>
+                    </a:p>
+                  </a:txBody>
+                  <a:tcPr anchor="ctr"/>
+                </a:tc>
+                <a:tc>
+                  <a:txBody>
+                    <a:bodyPr/>
+                    <a:lstStyle/>
+                    <a:p>
+                      <a:pPr marL="0" algn="ctr" rtl="0" eaLnBrk="1" fontAlgn="ctr" latinLnBrk="0" hangingPunct="1">
+                        <a:spcBef>
+                          <a:spcPts val="0"/>
+                        </a:spcBef>
+                        <a:spcAft>
+                          <a:spcPts val="0"/>
+                        </a:spcAft>
+                      </a:pPr>
+                      <a:r>
+                        <a:rPr lang="en-US" sz="1800" b="1" i="0" u="none" strike="noStrike" kern="1200" dirty="0">
+                          <a:solidFill>
+                            <a:srgbClr val="FFFFFF"/>
+                          </a:solidFill>
+                          <a:effectLst/>
+                          <a:latin typeface="Calibri" panose="020F0502020204030204" pitchFamily="34" charset="0"/>
+                        </a:rPr>
+                        <a:t>.1146</a:t>
+                      </a:r>
+                      <a:endParaRPr lang="en-US" altLang="zh-CN" sz="1800" b="0" i="0" u="none" strike="noStrike" dirty="0">
+                        <a:effectLst/>
+                        <a:latin typeface="Arial" panose="020B0604020202020204" pitchFamily="34" charset="0"/>
+                      </a:endParaRPr>
+                    </a:p>
+                  </a:txBody>
+                  <a:tcPr anchor="ctr"/>
+                </a:tc>
+                <a:tc>
+                  <a:txBody>
+                    <a:bodyPr/>
+                    <a:lstStyle/>
+                    <a:p>
+                      <a:pPr algn="ctr"/>
+                      <a:r>
+                        <a:rPr lang="en-US" altLang="zh-CN" sz="1800" dirty="0"/>
+                        <a:t>.3085</a:t>
+                      </a:r>
+                      <a:endParaRPr lang="zh-CN" altLang="en-US" sz="1800" dirty="0"/>
+                    </a:p>
+                  </a:txBody>
+                  <a:tcPr anchor="ctr"/>
+                </a:tc>
+                <a:tc>
+                  <a:txBody>
+                    <a:bodyPr/>
+                    <a:lstStyle/>
+                    <a:p>
+                      <a:pPr marL="0" algn="ctr" rtl="0" eaLnBrk="1" fontAlgn="ctr" latinLnBrk="0" hangingPunct="1">
+                        <a:spcBef>
+                          <a:spcPts val="0"/>
+                        </a:spcBef>
+                        <a:spcAft>
+                          <a:spcPts val="0"/>
+                        </a:spcAft>
+                      </a:pPr>
+                      <a:r>
+                        <a:rPr lang="en-US" sz="1800" b="1" i="0" u="none" strike="noStrike" kern="1200">
+                          <a:solidFill>
+                            <a:srgbClr val="FFFFFF"/>
+                          </a:solidFill>
+                          <a:effectLst/>
+                          <a:latin typeface="Calibri" panose="020F0502020204030204" pitchFamily="34" charset="0"/>
+                        </a:rPr>
+                        <a:t>.3812</a:t>
+                      </a:r>
+                      <a:endParaRPr lang="en-US" altLang="zh-CN" sz="1800" b="0" i="0" u="none" strike="noStrike">
+                        <a:effectLst/>
+                        <a:latin typeface="Arial" panose="020B0604020202020204" pitchFamily="34" charset="0"/>
+                      </a:endParaRPr>
+                    </a:p>
+                  </a:txBody>
+                  <a:tcPr anchor="ctr"/>
+                </a:tc>
+                <a:tc>
+                  <a:txBody>
+                    <a:bodyPr/>
+                    <a:lstStyle/>
+                    <a:p>
+                      <a:pPr algn="ctr"/>
+                      <a:r>
+                        <a:rPr lang="en-US" altLang="zh-CN" dirty="0"/>
+                        <a:t>.1047</a:t>
+                      </a:r>
+                      <a:endParaRPr lang="zh-CN" altLang="en-US" dirty="0"/>
+                    </a:p>
+                  </a:txBody>
+                  <a:tcPr anchor="ctr"/>
+                </a:tc>
+                <a:tc>
+                  <a:txBody>
+                    <a:bodyPr/>
+                    <a:lstStyle/>
+                    <a:p>
+                      <a:pPr algn="ctr"/>
+                      <a:r>
+                        <a:rPr lang="en-US" altLang="zh-CN" dirty="0"/>
+                        <a:t>.1211</a:t>
+                      </a:r>
+                      <a:endParaRPr lang="zh-CN" altLang="en-US" dirty="0"/>
+                    </a:p>
+                  </a:txBody>
+                  <a:tcPr anchor="ctr"/>
+                </a:tc>
+                <a:tc>
+                  <a:txBody>
+                    <a:bodyPr/>
+                    <a:lstStyle/>
+                    <a:p>
+                      <a:pPr algn="ctr"/>
+                      <a:r>
+                        <a:rPr lang="en-US" altLang="zh-CN" dirty="0"/>
+                        <a:t>.3000</a:t>
+                      </a:r>
+                      <a:endParaRPr lang="zh-CN" altLang="en-US" dirty="0"/>
+                    </a:p>
+                  </a:txBody>
+                  <a:tcPr anchor="ctr"/>
+                </a:tc>
+                <a:tc>
+                  <a:txBody>
+                    <a:bodyPr/>
+                    <a:lstStyle/>
+                    <a:p>
+                      <a:pPr algn="ctr"/>
+                      <a:r>
+                        <a:rPr lang="en-US" altLang="zh-CN" dirty="0"/>
+                        <a:t>.4099</a:t>
+                      </a:r>
+                      <a:endParaRPr lang="zh-CN" altLang="en-US" dirty="0"/>
+                    </a:p>
+                  </a:txBody>
+                  <a:tcPr anchor="ctr"/>
+                </a:tc>
+                <a:extLst>
+                  <a:ext uri="{0D108BD9-81ED-4DB2-BD59-A6C34878D82A}">
+                    <a16:rowId xmlns:a16="http://schemas.microsoft.com/office/drawing/2014/main" val="2959020849"/>
+                  </a:ext>
+                </a:extLst>
+              </a:tr>
+              <a:tr h="0">
+                <a:tc>
+                  <a:txBody>
+                    <a:bodyPr/>
+                    <a:lstStyle/>
+                    <a:p>
+                      <a:pPr algn="ctr"/>
+                      <a:r>
+                        <a:rPr lang="en-US" altLang="zh-CN" sz="1800" dirty="0"/>
+                        <a:t>DUET</a:t>
+                      </a:r>
+                      <a:endParaRPr lang="zh-CN" altLang="en-US" sz="1800" dirty="0"/>
+                    </a:p>
+                  </a:txBody>
+                  <a:tcPr anchor="ctr"/>
+                </a:tc>
+                <a:tc>
+                  <a:txBody>
+                    <a:bodyPr/>
+                    <a:lstStyle/>
+                    <a:p>
+                      <a:pPr marL="0" algn="ctr" rtl="0" eaLnBrk="1" fontAlgn="ctr" latinLnBrk="0" hangingPunct="1">
+                        <a:spcBef>
+                          <a:spcPts val="0"/>
+                        </a:spcBef>
+                        <a:spcAft>
+                          <a:spcPts val="0"/>
+                        </a:spcAft>
+                      </a:pPr>
+                      <a:r>
+                        <a:rPr lang="en-US" sz="1800" b="0" i="0" u="none" strike="noStrike" kern="1200">
+                          <a:solidFill>
+                            <a:srgbClr val="000000"/>
+                          </a:solidFill>
+                          <a:effectLst/>
+                          <a:latin typeface="Calibri" panose="020F0502020204030204" pitchFamily="34" charset="0"/>
+                        </a:rPr>
+                        <a:t>.2102</a:t>
+                      </a:r>
+                      <a:endParaRPr lang="en-US" altLang="zh-CN" sz="1800" b="0" i="0" u="none" strike="noStrike">
+                        <a:effectLst/>
+                        <a:latin typeface="Arial" panose="020B0604020202020204" pitchFamily="34" charset="0"/>
+                      </a:endParaRPr>
+                    </a:p>
+                  </a:txBody>
+                  <a:tcPr anchor="ctr"/>
+                </a:tc>
+                <a:tc>
+                  <a:txBody>
+                    <a:bodyPr/>
+                    <a:lstStyle/>
+                    <a:p>
+                      <a:pPr marL="0" algn="ctr" rtl="0" eaLnBrk="1" fontAlgn="ctr" latinLnBrk="0" hangingPunct="1">
+                        <a:spcBef>
+                          <a:spcPts val="0"/>
+                        </a:spcBef>
+                        <a:spcAft>
+                          <a:spcPts val="0"/>
+                        </a:spcAft>
+                      </a:pPr>
+                      <a:r>
+                        <a:rPr lang="en-US" sz="1800" b="0" i="0" u="none" strike="noStrike" kern="1200">
+                          <a:solidFill>
+                            <a:srgbClr val="000000"/>
+                          </a:solidFill>
+                          <a:effectLst/>
+                          <a:latin typeface="Calibri" panose="020F0502020204030204" pitchFamily="34" charset="0"/>
+                        </a:rPr>
+                        <a:t>.2287</a:t>
+                      </a:r>
+                      <a:endParaRPr lang="en-US" altLang="zh-CN" sz="1800" b="0" i="0" u="none" strike="noStrike">
+                        <a:effectLst/>
+                        <a:latin typeface="Arial" panose="020B0604020202020204" pitchFamily="34" charset="0"/>
+                      </a:endParaRPr>
+                    </a:p>
+                  </a:txBody>
+                  <a:tcPr anchor="ctr"/>
+                </a:tc>
+                <a:tc>
+                  <a:txBody>
+                    <a:bodyPr/>
+                    <a:lstStyle/>
+                    <a:p>
+                      <a:pPr algn="ctr"/>
+                      <a:r>
+                        <a:rPr lang="en-US" altLang="zh-CN" sz="1800" dirty="0"/>
+                        <a:t>.3595</a:t>
+                      </a:r>
+                      <a:endParaRPr lang="zh-CN" altLang="en-US" sz="1800" dirty="0"/>
+                    </a:p>
+                  </a:txBody>
+                  <a:tcPr anchor="ctr"/>
+                </a:tc>
+                <a:tc>
+                  <a:txBody>
+                    <a:bodyPr/>
+                    <a:lstStyle/>
+                    <a:p>
+                      <a:pPr marL="0" algn="ctr" rtl="0" eaLnBrk="1" fontAlgn="ctr" latinLnBrk="0" hangingPunct="1">
+                        <a:spcBef>
+                          <a:spcPts val="0"/>
+                        </a:spcBef>
+                        <a:spcAft>
+                          <a:spcPts val="0"/>
+                        </a:spcAft>
+                      </a:pPr>
+                      <a:r>
+                        <a:rPr lang="en-US" sz="1800" b="0" i="0" u="none" strike="noStrike" kern="1200">
+                          <a:solidFill>
+                            <a:srgbClr val="000000"/>
+                          </a:solidFill>
+                          <a:effectLst/>
+                          <a:latin typeface="Calibri" panose="020F0502020204030204" pitchFamily="34" charset="0"/>
+                        </a:rPr>
+                        <a:t>.3912</a:t>
+                      </a:r>
+                      <a:endParaRPr lang="en-US" altLang="zh-CN" sz="1800" b="0" i="0" u="none" strike="noStrike">
+                        <a:effectLst/>
+                        <a:latin typeface="Arial" panose="020B0604020202020204" pitchFamily="34" charset="0"/>
+                      </a:endParaRPr>
+                    </a:p>
+                  </a:txBody>
+                  <a:tcPr anchor="ctr"/>
+                </a:tc>
+                <a:tc>
+                  <a:txBody>
+                    <a:bodyPr/>
+                    <a:lstStyle/>
+                    <a:p>
+                      <a:pPr algn="ctr"/>
+                      <a:r>
+                        <a:rPr lang="en-US" altLang="zh-CN" dirty="0"/>
+                        <a:t>.1278</a:t>
+                      </a:r>
+                      <a:endParaRPr lang="zh-CN" altLang="en-US" dirty="0"/>
+                    </a:p>
+                  </a:txBody>
+                  <a:tcPr anchor="ctr"/>
+                </a:tc>
+                <a:tc>
+                  <a:txBody>
+                    <a:bodyPr/>
+                    <a:lstStyle/>
+                    <a:p>
+                      <a:pPr algn="ctr"/>
+                      <a:r>
+                        <a:rPr lang="en-US" altLang="zh-CN" dirty="0"/>
+                        <a:t>.1445</a:t>
+                      </a:r>
+                      <a:endParaRPr lang="zh-CN" altLang="en-US" dirty="0"/>
+                    </a:p>
+                  </a:txBody>
+                  <a:tcPr anchor="ctr"/>
+                </a:tc>
+                <a:tc>
+                  <a:txBody>
+                    <a:bodyPr/>
+                    <a:lstStyle/>
+                    <a:p>
+                      <a:pPr algn="ctr"/>
+                      <a:r>
+                        <a:rPr lang="en-US" altLang="zh-CN" dirty="0"/>
+                        <a:t>.3432</a:t>
+                      </a:r>
+                      <a:endParaRPr lang="zh-CN" altLang="en-US" dirty="0"/>
+                    </a:p>
+                  </a:txBody>
+                  <a:tcPr anchor="ctr"/>
+                </a:tc>
+                <a:tc>
+                  <a:txBody>
+                    <a:bodyPr/>
+                    <a:lstStyle/>
+                    <a:p>
+                      <a:pPr algn="ctr"/>
+                      <a:r>
+                        <a:rPr lang="en-US" altLang="zh-CN" dirty="0"/>
+                        <a:t>.4213</a:t>
+                      </a:r>
+                      <a:endParaRPr lang="zh-CN" altLang="en-US" dirty="0"/>
+                    </a:p>
+                  </a:txBody>
+                  <a:tcPr anchor="ctr"/>
+                </a:tc>
+                <a:extLst>
+                  <a:ext uri="{0D108BD9-81ED-4DB2-BD59-A6C34878D82A}">
+                    <a16:rowId xmlns:a16="http://schemas.microsoft.com/office/drawing/2014/main" val="3748533340"/>
+                  </a:ext>
+                </a:extLst>
+              </a:tr>
+              <a:tr h="0">
+                <a:tc>
+                  <a:txBody>
+                    <a:bodyPr/>
+                    <a:lstStyle/>
+                    <a:p>
+                      <a:pPr algn="ctr"/>
+                      <a:r>
+                        <a:rPr lang="en-US" altLang="zh-CN" sz="1800" dirty="0"/>
+                        <a:t>KNRM</a:t>
+                      </a:r>
+                      <a:endParaRPr lang="zh-CN" altLang="en-US" sz="1800" dirty="0"/>
+                    </a:p>
+                  </a:txBody>
+                  <a:tcPr anchor="ctr"/>
+                </a:tc>
+                <a:tc>
+                  <a:txBody>
+                    <a:bodyPr/>
+                    <a:lstStyle/>
+                    <a:p>
+                      <a:pPr marL="0" algn="ctr" rtl="0" eaLnBrk="1" fontAlgn="ctr" latinLnBrk="0" hangingPunct="1">
+                        <a:spcBef>
+                          <a:spcPts val="0"/>
+                        </a:spcBef>
+                        <a:spcAft>
+                          <a:spcPts val="0"/>
+                        </a:spcAft>
+                      </a:pPr>
+                      <a:r>
+                        <a:rPr lang="en-US" sz="1800" b="0" i="0" u="none" strike="noStrike" kern="1200">
+                          <a:solidFill>
+                            <a:srgbClr val="000000"/>
+                          </a:solidFill>
+                          <a:effectLst/>
+                          <a:latin typeface="Calibri" panose="020F0502020204030204" pitchFamily="34" charset="0"/>
+                        </a:rPr>
+                        <a:t>.2740</a:t>
+                      </a:r>
+                      <a:endParaRPr lang="en-US" altLang="zh-CN" sz="1800" b="0" i="0" u="none" strike="noStrike">
+                        <a:effectLst/>
+                        <a:latin typeface="Arial" panose="020B0604020202020204" pitchFamily="34" charset="0"/>
+                      </a:endParaRPr>
+                    </a:p>
+                  </a:txBody>
+                  <a:tcPr anchor="ctr"/>
+                </a:tc>
+                <a:tc>
+                  <a:txBody>
+                    <a:bodyPr/>
+                    <a:lstStyle/>
+                    <a:p>
+                      <a:pPr marL="0" algn="ctr" rtl="0" eaLnBrk="1" fontAlgn="ctr" latinLnBrk="0" hangingPunct="1">
+                        <a:spcBef>
+                          <a:spcPts val="0"/>
+                        </a:spcBef>
+                        <a:spcAft>
+                          <a:spcPts val="0"/>
+                        </a:spcAft>
+                      </a:pPr>
+                      <a:r>
+                        <a:rPr lang="en-US" sz="1800" b="0" i="0" u="none" strike="noStrike" kern="1200">
+                          <a:solidFill>
+                            <a:srgbClr val="000000"/>
+                          </a:solidFill>
+                          <a:effectLst/>
+                          <a:latin typeface="Calibri" panose="020F0502020204030204" pitchFamily="34" charset="0"/>
+                        </a:rPr>
+                        <a:t>.2816</a:t>
+                      </a:r>
+                      <a:endParaRPr lang="en-US" altLang="zh-CN" sz="1800" b="0" i="0" u="none" strike="noStrike">
+                        <a:effectLst/>
+                        <a:latin typeface="Arial" panose="020B0604020202020204" pitchFamily="34" charset="0"/>
+                      </a:endParaRPr>
+                    </a:p>
+                  </a:txBody>
+                  <a:tcPr anchor="ctr"/>
+                </a:tc>
+                <a:tc>
+                  <a:txBody>
+                    <a:bodyPr/>
+                    <a:lstStyle/>
+                    <a:p>
+                      <a:pPr algn="ctr"/>
+                      <a:r>
+                        <a:rPr lang="en-US" altLang="zh-CN" sz="1800" dirty="0"/>
+                        <a:t>.5491</a:t>
+                      </a:r>
+                      <a:endParaRPr lang="zh-CN" altLang="en-US" sz="1800" dirty="0"/>
+                    </a:p>
+                  </a:txBody>
+                  <a:tcPr anchor="ctr"/>
+                </a:tc>
+                <a:tc>
+                  <a:txBody>
+                    <a:bodyPr/>
+                    <a:lstStyle/>
+                    <a:p>
+                      <a:pPr marL="0" algn="ctr" rtl="0" eaLnBrk="1" fontAlgn="ctr" latinLnBrk="0" hangingPunct="1">
+                        <a:spcBef>
+                          <a:spcPts val="0"/>
+                        </a:spcBef>
+                        <a:spcAft>
+                          <a:spcPts val="0"/>
+                        </a:spcAft>
+                      </a:pPr>
+                      <a:r>
+                        <a:rPr lang="en-US" sz="1800" b="0" i="0" u="none" strike="noStrike" kern="1200">
+                          <a:solidFill>
+                            <a:srgbClr val="000000"/>
+                          </a:solidFill>
+                          <a:effectLst/>
+                          <a:latin typeface="Calibri" panose="020F0502020204030204" pitchFamily="34" charset="0"/>
+                        </a:rPr>
+                        <a:t>.4671</a:t>
+                      </a:r>
+                      <a:endParaRPr lang="en-US" altLang="zh-CN" sz="1800" b="0" i="0" u="none" strike="noStrike">
+                        <a:effectLst/>
+                        <a:latin typeface="Arial" panose="020B0604020202020204" pitchFamily="34" charset="0"/>
+                      </a:endParaRPr>
+                    </a:p>
+                  </a:txBody>
+                  <a:tcPr anchor="ctr"/>
+                </a:tc>
+                <a:tc>
+                  <a:txBody>
+                    <a:bodyPr/>
+                    <a:lstStyle/>
+                    <a:p>
+                      <a:pPr algn="ctr"/>
+                      <a:r>
+                        <a:rPr lang="en-US" altLang="zh-CN" dirty="0"/>
+                        <a:t>.1992</a:t>
+                      </a:r>
+                      <a:endParaRPr lang="zh-CN" altLang="en-US" dirty="0"/>
+                    </a:p>
+                  </a:txBody>
+                  <a:tcPr anchor="ctr"/>
+                </a:tc>
+                <a:tc>
+                  <a:txBody>
+                    <a:bodyPr/>
+                    <a:lstStyle/>
+                    <a:p>
+                      <a:pPr algn="ctr"/>
+                      <a:r>
+                        <a:rPr lang="en-US" altLang="zh-CN" dirty="0"/>
+                        <a:t>.2128</a:t>
+                      </a:r>
+                      <a:endParaRPr lang="zh-CN" altLang="en-US" dirty="0"/>
+                    </a:p>
+                  </a:txBody>
+                  <a:tcPr anchor="ctr"/>
+                </a:tc>
+                <a:tc>
+                  <a:txBody>
+                    <a:bodyPr/>
+                    <a:lstStyle/>
+                    <a:p>
+                      <a:pPr algn="ctr"/>
+                      <a:r>
+                        <a:rPr lang="en-US" altLang="zh-CN" dirty="0"/>
+                        <a:t>.4319</a:t>
+                      </a:r>
+                      <a:endParaRPr lang="zh-CN" altLang="en-US" dirty="0"/>
+                    </a:p>
+                  </a:txBody>
+                  <a:tcPr anchor="ctr"/>
+                </a:tc>
+                <a:tc>
+                  <a:txBody>
+                    <a:bodyPr/>
+                    <a:lstStyle/>
+                    <a:p>
+                      <a:pPr algn="ctr"/>
+                      <a:r>
+                        <a:rPr lang="en-US" altLang="zh-CN" dirty="0"/>
+                        <a:t>.4727</a:t>
+                      </a:r>
+                      <a:endParaRPr lang="zh-CN" altLang="en-US" dirty="0"/>
+                    </a:p>
+                  </a:txBody>
+                  <a:tcPr anchor="ctr"/>
+                </a:tc>
+                <a:extLst>
+                  <a:ext uri="{0D108BD9-81ED-4DB2-BD59-A6C34878D82A}">
+                    <a16:rowId xmlns:a16="http://schemas.microsoft.com/office/drawing/2014/main" val="3992346467"/>
+                  </a:ext>
+                </a:extLst>
+              </a:tr>
+              <a:tr h="0">
+                <a:tc>
+                  <a:txBody>
+                    <a:bodyPr/>
+                    <a:lstStyle/>
+                    <a:p>
+                      <a:pPr algn="ctr"/>
+                      <a:r>
+                        <a:rPr lang="en-US" altLang="zh-CN" sz="1800" dirty="0" err="1"/>
+                        <a:t>Conv</a:t>
+                      </a:r>
+                      <a:r>
+                        <a:rPr lang="en-US" altLang="zh-CN" sz="1800" dirty="0"/>
+                        <a:t>-KNRM</a:t>
+                      </a:r>
+                      <a:endParaRPr lang="zh-CN" altLang="en-US" sz="1800" dirty="0"/>
+                    </a:p>
+                  </a:txBody>
+                  <a:tcPr anchor="ctr"/>
+                </a:tc>
+                <a:tc>
+                  <a:txBody>
+                    <a:bodyPr/>
+                    <a:lstStyle/>
+                    <a:p>
+                      <a:pPr marL="0" algn="ctr" rtl="0" eaLnBrk="1" fontAlgn="ctr" latinLnBrk="0" hangingPunct="1">
+                        <a:spcBef>
+                          <a:spcPts val="0"/>
+                        </a:spcBef>
+                        <a:spcAft>
+                          <a:spcPts val="0"/>
+                        </a:spcAft>
+                      </a:pPr>
+                      <a:r>
+                        <a:rPr lang="en-US" sz="1800" b="0" i="0" u="none" strike="noStrike" kern="1200" dirty="0">
+                          <a:solidFill>
+                            <a:srgbClr val="000000"/>
+                          </a:solidFill>
+                          <a:effectLst/>
+                          <a:latin typeface="Calibri" panose="020F0502020204030204" pitchFamily="34" charset="0"/>
+                        </a:rPr>
+                        <a:t>.3054</a:t>
+                      </a:r>
+                      <a:endParaRPr lang="en-US" altLang="zh-CN" sz="1800" b="0" i="0" u="none" strike="noStrike" dirty="0">
+                        <a:effectLst/>
+                        <a:latin typeface="Arial" panose="020B0604020202020204" pitchFamily="34" charset="0"/>
+                      </a:endParaRPr>
+                    </a:p>
+                  </a:txBody>
+                  <a:tcPr anchor="ctr"/>
+                </a:tc>
+                <a:tc>
+                  <a:txBody>
+                    <a:bodyPr/>
+                    <a:lstStyle/>
+                    <a:p>
+                      <a:pPr marL="0" algn="ctr" rtl="0" eaLnBrk="1" fontAlgn="ctr" latinLnBrk="0" hangingPunct="1">
+                        <a:spcBef>
+                          <a:spcPts val="0"/>
+                        </a:spcBef>
+                        <a:spcAft>
+                          <a:spcPts val="0"/>
+                        </a:spcAft>
+                      </a:pPr>
+                      <a:r>
+                        <a:rPr lang="en-US" sz="1800" b="0" i="0" u="none" strike="noStrike" kern="1200" dirty="0">
+                          <a:solidFill>
+                            <a:srgbClr val="000000"/>
+                          </a:solidFill>
+                          <a:effectLst/>
+                          <a:latin typeface="Calibri" panose="020F0502020204030204" pitchFamily="34" charset="0"/>
+                        </a:rPr>
+                        <a:t>.3182</a:t>
+                      </a:r>
+                      <a:endParaRPr lang="en-US" altLang="zh-CN" sz="1800" b="0" i="0" u="none" strike="noStrike" dirty="0">
+                        <a:effectLst/>
+                        <a:latin typeface="Arial" panose="020B0604020202020204" pitchFamily="34" charset="0"/>
+                      </a:endParaRPr>
+                    </a:p>
+                  </a:txBody>
+                  <a:tcPr anchor="ctr"/>
+                </a:tc>
+                <a:tc>
+                  <a:txBody>
+                    <a:bodyPr/>
+                    <a:lstStyle/>
+                    <a:p>
+                      <a:pPr algn="ctr"/>
+                      <a:r>
+                        <a:rPr lang="en-US" altLang="zh-CN" sz="1800" dirty="0"/>
+                        <a:t>.5990</a:t>
+                      </a:r>
+                      <a:endParaRPr lang="zh-CN" altLang="en-US" sz="1800" dirty="0"/>
+                    </a:p>
+                  </a:txBody>
+                  <a:tcPr anchor="ctr"/>
+                </a:tc>
+                <a:tc>
+                  <a:txBody>
+                    <a:bodyPr/>
+                    <a:lstStyle/>
+                    <a:p>
+                      <a:pPr marL="0" algn="ctr" rtl="0" eaLnBrk="1" fontAlgn="ctr" latinLnBrk="0" hangingPunct="1">
+                        <a:spcBef>
+                          <a:spcPts val="0"/>
+                        </a:spcBef>
+                        <a:spcAft>
+                          <a:spcPts val="0"/>
+                        </a:spcAft>
+                      </a:pPr>
+                      <a:r>
+                        <a:rPr lang="en-US" sz="1800" b="0" i="0" u="none" strike="noStrike" kern="1200" dirty="0">
+                          <a:solidFill>
+                            <a:srgbClr val="000000"/>
+                          </a:solidFill>
+                          <a:effectLst/>
+                          <a:latin typeface="Calibri" panose="020F0502020204030204" pitchFamily="34" charset="0"/>
+                        </a:rPr>
+                        <a:t>.4876</a:t>
+                      </a:r>
+                      <a:endParaRPr lang="en-US" altLang="zh-CN" sz="1800" b="0" i="0" u="none" strike="noStrike" dirty="0">
+                        <a:effectLst/>
+                        <a:latin typeface="Arial" panose="020B0604020202020204" pitchFamily="34" charset="0"/>
+                      </a:endParaRPr>
+                    </a:p>
+                  </a:txBody>
+                  <a:tcPr anchor="ctr"/>
+                </a:tc>
+                <a:tc>
+                  <a:txBody>
+                    <a:bodyPr/>
+                    <a:lstStyle/>
+                    <a:p>
+                      <a:pPr algn="ctr"/>
+                      <a:r>
+                        <a:rPr lang="en-US" altLang="zh-CN" dirty="0"/>
+                        <a:t>.2744</a:t>
+                      </a:r>
+                      <a:endParaRPr lang="zh-CN" altLang="en-US" dirty="0"/>
+                    </a:p>
+                  </a:txBody>
+                  <a:tcPr anchor="ctr"/>
+                </a:tc>
+                <a:tc>
+                  <a:txBody>
+                    <a:bodyPr/>
+                    <a:lstStyle/>
+                    <a:p>
+                      <a:pPr algn="ctr"/>
+                      <a:r>
+                        <a:rPr lang="en-US" altLang="zh-CN" dirty="0"/>
+                        <a:t>.2850</a:t>
+                      </a:r>
+                      <a:endParaRPr lang="zh-CN" altLang="en-US" dirty="0"/>
+                    </a:p>
+                  </a:txBody>
+                  <a:tcPr anchor="ctr"/>
+                </a:tc>
+                <a:tc>
+                  <a:txBody>
+                    <a:bodyPr/>
+                    <a:lstStyle/>
+                    <a:p>
+                      <a:pPr algn="ctr"/>
+                      <a:r>
+                        <a:rPr lang="en-US" altLang="zh-CN" dirty="0"/>
+                        <a:t>.5899</a:t>
+                      </a:r>
+                      <a:endParaRPr lang="zh-CN" altLang="en-US" dirty="0"/>
+                    </a:p>
+                  </a:txBody>
+                  <a:tcPr anchor="ctr"/>
+                </a:tc>
+                <a:tc>
+                  <a:txBody>
+                    <a:bodyPr/>
+                    <a:lstStyle/>
+                    <a:p>
+                      <a:pPr algn="ctr"/>
+                      <a:r>
+                        <a:rPr lang="en-US" altLang="zh-CN" dirty="0"/>
+                        <a:t>.5221</a:t>
+                      </a:r>
+                      <a:endParaRPr lang="zh-CN" altLang="en-US" dirty="0"/>
+                    </a:p>
+                  </a:txBody>
+                  <a:tcPr anchor="ctr"/>
+                </a:tc>
+                <a:extLst>
+                  <a:ext uri="{0D108BD9-81ED-4DB2-BD59-A6C34878D82A}">
+                    <a16:rowId xmlns:a16="http://schemas.microsoft.com/office/drawing/2014/main" val="4037322625"/>
+                  </a:ext>
+                </a:extLst>
+              </a:tr>
+              <a:tr h="463801">
+                <a:tc>
+                  <a:txBody>
+                    <a:bodyPr/>
+                    <a:lstStyle/>
+                    <a:p>
+                      <a:pPr algn="ctr"/>
+                      <a:r>
+                        <a:rPr lang="en-US" altLang="zh-CN" dirty="0"/>
+                        <a:t>Bert-Base(released)</a:t>
+                      </a:r>
+                      <a:endParaRPr lang="zh-CN" altLang="en-US" dirty="0"/>
+                    </a:p>
+                  </a:txBody>
+                  <a:tcPr anchor="ctr"/>
+                </a:tc>
+                <a:tc>
+                  <a:txBody>
+                    <a:bodyPr/>
+                    <a:lstStyle/>
+                    <a:p>
+                      <a:pPr algn="ctr"/>
+                      <a:r>
+                        <a:rPr lang="en-US" altLang="zh-CN" dirty="0"/>
+                        <a:t>.4108</a:t>
+                      </a:r>
+                      <a:endParaRPr lang="zh-CN" altLang="en-US" dirty="0"/>
+                    </a:p>
+                  </a:txBody>
+                  <a:tcPr anchor="ctr"/>
+                </a:tc>
+                <a:tc>
+                  <a:txBody>
+                    <a:bodyPr/>
+                    <a:lstStyle/>
+                    <a:p>
+                      <a:pPr algn="ctr"/>
+                      <a:r>
+                        <a:rPr lang="en-US" altLang="zh-CN" dirty="0"/>
+                        <a:t>.4199</a:t>
+                      </a:r>
+                      <a:endParaRPr lang="zh-CN" altLang="en-US" dirty="0"/>
+                    </a:p>
+                  </a:txBody>
+                  <a:tcPr anchor="ctr"/>
+                </a:tc>
+                <a:tc>
+                  <a:txBody>
+                    <a:bodyPr/>
+                    <a:lstStyle/>
+                    <a:p>
+                      <a:pPr algn="ctr"/>
+                      <a:r>
+                        <a:rPr lang="en-US" altLang="zh-CN" dirty="0"/>
+                        <a:t>.6054</a:t>
+                      </a:r>
+                      <a:endParaRPr lang="zh-CN" altLang="en-US" dirty="0"/>
+                    </a:p>
+                  </a:txBody>
+                  <a:tcPr anchor="ctr"/>
+                </a:tc>
+                <a:tc>
+                  <a:txBody>
+                    <a:bodyPr/>
+                    <a:lstStyle/>
+                    <a:p>
+                      <a:pPr algn="ctr"/>
+                      <a:r>
+                        <a:rPr lang="en-US" altLang="zh-CN" dirty="0"/>
+                        <a:t>.4907</a:t>
+                      </a:r>
+                      <a:endParaRPr lang="zh-CN" altLang="en-US" dirty="0"/>
+                    </a:p>
+                  </a:txBody>
+                  <a:tcPr anchor="ctr"/>
+                </a:tc>
+                <a:tc>
+                  <a:txBody>
+                    <a:bodyPr/>
+                    <a:lstStyle/>
+                    <a:p>
+                      <a:pPr algn="ctr"/>
+                      <a:r>
+                        <a:rPr lang="en-US" altLang="zh-CN" dirty="0"/>
+                        <a:t>.3709</a:t>
+                      </a:r>
+                      <a:endParaRPr lang="zh-CN" altLang="en-US" dirty="0"/>
+                    </a:p>
+                  </a:txBody>
+                  <a:tcPr anchor="ctr"/>
+                </a:tc>
+                <a:tc>
+                  <a:txBody>
+                    <a:bodyPr/>
+                    <a:lstStyle/>
+                    <a:p>
+                      <a:pPr algn="ctr"/>
+                      <a:r>
+                        <a:rPr lang="en-US" altLang="zh-CN" dirty="0"/>
+                        <a:t>.3768</a:t>
+                      </a:r>
+                      <a:endParaRPr lang="zh-CN" altLang="en-US" dirty="0"/>
+                    </a:p>
+                  </a:txBody>
+                  <a:tcPr anchor="ctr"/>
+                </a:tc>
+                <a:tc>
+                  <a:txBody>
+                    <a:bodyPr/>
+                    <a:lstStyle/>
+                    <a:p>
+                      <a:pPr algn="ctr"/>
+                      <a:r>
+                        <a:rPr lang="en-US" altLang="zh-CN" dirty="0"/>
+                        <a:t>.4625</a:t>
+                      </a:r>
+                      <a:endParaRPr lang="zh-CN" altLang="en-US" dirty="0"/>
+                    </a:p>
+                  </a:txBody>
+                  <a:tcPr anchor="ctr"/>
+                </a:tc>
+                <a:tc>
+                  <a:txBody>
+                    <a:bodyPr/>
+                    <a:lstStyle/>
+                    <a:p>
+                      <a:pPr algn="ctr"/>
+                      <a:r>
+                        <a:rPr lang="en-US" altLang="zh-CN" dirty="0"/>
+                        <a:t>.4379</a:t>
+                      </a:r>
+                      <a:endParaRPr lang="zh-CN" altLang="en-US" dirty="0"/>
+                    </a:p>
+                  </a:txBody>
+                  <a:tcPr anchor="ctr"/>
+                </a:tc>
+                <a:extLst>
+                  <a:ext uri="{0D108BD9-81ED-4DB2-BD59-A6C34878D82A}">
+                    <a16:rowId xmlns:a16="http://schemas.microsoft.com/office/drawing/2014/main" val="10002"/>
+                  </a:ext>
+                </a:extLst>
+              </a:tr>
+              <a:tr h="463801">
+                <a:tc>
+                  <a:txBody>
+                    <a:bodyPr/>
+                    <a:lstStyle/>
+                    <a:p>
+                      <a:pPr algn="ctr"/>
+                      <a:r>
+                        <a:rPr lang="en-US" altLang="zh-CN" dirty="0"/>
+                        <a:t>ICT</a:t>
+                      </a:r>
+                      <a:endParaRPr lang="zh-CN" altLang="en-US" dirty="0"/>
+                    </a:p>
+                  </a:txBody>
+                  <a:tcPr anchor="ctr"/>
+                </a:tc>
+                <a:tc>
+                  <a:txBody>
+                    <a:bodyPr/>
+                    <a:lstStyle/>
+                    <a:p>
+                      <a:pPr algn="ctr"/>
+                      <a:r>
+                        <a:rPr lang="en-US" altLang="zh-CN" dirty="0"/>
+                        <a:t>.4108</a:t>
+                      </a:r>
+                      <a:endParaRPr lang="zh-CN" altLang="en-US" dirty="0"/>
+                    </a:p>
+                  </a:txBody>
+                  <a:tcPr anchor="ctr"/>
+                </a:tc>
+                <a:tc>
+                  <a:txBody>
+                    <a:bodyPr/>
+                    <a:lstStyle/>
+                    <a:p>
+                      <a:pPr algn="ctr"/>
+                      <a:r>
+                        <a:rPr lang="en-US" altLang="zh-CN" dirty="0"/>
+                        <a:t>.4196</a:t>
+                      </a:r>
+                      <a:endParaRPr lang="zh-CN" altLang="en-US" dirty="0"/>
+                    </a:p>
+                  </a:txBody>
+                  <a:tcPr anchor="ctr"/>
+                </a:tc>
+                <a:tc>
+                  <a:txBody>
+                    <a:bodyPr/>
+                    <a:lstStyle/>
+                    <a:p>
+                      <a:pPr algn="ctr"/>
+                      <a:r>
+                        <a:rPr lang="en-US" altLang="zh-CN" dirty="0">
+                          <a:solidFill>
+                            <a:srgbClr val="FF0000"/>
+                          </a:solidFill>
+                        </a:rPr>
+                        <a:t>.6223</a:t>
+                      </a:r>
+                      <a:endParaRPr lang="zh-CN" altLang="en-US" dirty="0">
+                        <a:solidFill>
+                          <a:srgbClr val="FF0000"/>
+                        </a:solidFill>
+                      </a:endParaRPr>
+                    </a:p>
+                  </a:txBody>
+                  <a:tcPr anchor="ctr"/>
+                </a:tc>
+                <a:tc>
+                  <a:txBody>
+                    <a:bodyPr/>
+                    <a:lstStyle/>
+                    <a:p>
+                      <a:pPr algn="ctr"/>
+                      <a:r>
+                        <a:rPr lang="en-US" altLang="zh-CN" dirty="0"/>
+                        <a:t>.4943</a:t>
+                      </a:r>
+                      <a:endParaRPr lang="zh-CN" altLang="en-US" dirty="0"/>
+                    </a:p>
+                  </a:txBody>
+                  <a:tcPr anchor="ctr"/>
+                </a:tc>
+                <a:tc>
+                  <a:txBody>
+                    <a:bodyPr/>
+                    <a:lstStyle/>
+                    <a:p>
+                      <a:pPr algn="ctr"/>
+                      <a:r>
+                        <a:rPr lang="en-US" altLang="zh-CN" dirty="0"/>
+                        <a:t>.3770</a:t>
+                      </a:r>
+                      <a:endParaRPr lang="zh-CN" altLang="en-US" dirty="0"/>
+                    </a:p>
+                  </a:txBody>
+                  <a:tcPr anchor="ctr"/>
+                </a:tc>
+                <a:tc>
+                  <a:txBody>
+                    <a:bodyPr/>
+                    <a:lstStyle/>
+                    <a:p>
+                      <a:pPr algn="ctr"/>
+                      <a:r>
+                        <a:rPr lang="en-US" altLang="zh-CN" dirty="0"/>
+                        <a:t>.3827</a:t>
+                      </a:r>
+                      <a:endParaRPr lang="zh-CN" altLang="en-US" dirty="0"/>
+                    </a:p>
+                  </a:txBody>
+                  <a:tcPr anchor="ctr"/>
+                </a:tc>
+                <a:tc>
+                  <a:txBody>
+                    <a:bodyPr/>
+                    <a:lstStyle/>
+                    <a:p>
+                      <a:pPr algn="ctr"/>
+                      <a:r>
+                        <a:rPr lang="en-US" altLang="zh-CN" dirty="0"/>
+                        <a:t>.4673</a:t>
+                      </a:r>
+                      <a:endParaRPr lang="zh-CN" altLang="en-US" dirty="0"/>
+                    </a:p>
+                  </a:txBody>
+                  <a:tcPr anchor="ctr"/>
+                </a:tc>
+                <a:tc>
+                  <a:txBody>
+                    <a:bodyPr/>
+                    <a:lstStyle/>
+                    <a:p>
+                      <a:pPr algn="ctr"/>
+                      <a:r>
+                        <a:rPr lang="en-US" altLang="zh-CN" dirty="0"/>
+                        <a:t>.4432</a:t>
+                      </a:r>
+                      <a:endParaRPr lang="zh-CN" altLang="en-US" dirty="0"/>
+                    </a:p>
+                  </a:txBody>
+                  <a:tcPr anchor="ctr"/>
+                </a:tc>
+                <a:extLst>
+                  <a:ext uri="{0D108BD9-81ED-4DB2-BD59-A6C34878D82A}">
+                    <a16:rowId xmlns:a16="http://schemas.microsoft.com/office/drawing/2014/main" val="10003"/>
+                  </a:ext>
+                </a:extLst>
+              </a:tr>
+              <a:tr h="463801">
+                <a:tc>
+                  <a:txBody>
+                    <a:bodyPr/>
+                    <a:lstStyle/>
+                    <a:p>
+                      <a:pPr algn="ctr"/>
+                      <a:r>
+                        <a:rPr lang="en-US" altLang="zh-CN" dirty="0"/>
+                        <a:t>PROP</a:t>
+                      </a:r>
+                      <a:endParaRPr lang="zh-CN" altLang="en-US" dirty="0"/>
+                    </a:p>
+                  </a:txBody>
+                  <a:tcPr anchor="ctr"/>
+                </a:tc>
+                <a:tc>
+                  <a:txBody>
+                    <a:bodyPr/>
+                    <a:lstStyle/>
+                    <a:p>
+                      <a:pPr algn="ctr"/>
+                      <a:r>
+                        <a:rPr lang="en-US" altLang="zh-CN" dirty="0"/>
+                        <a:t>.4166</a:t>
+                      </a:r>
+                      <a:endParaRPr lang="zh-CN" altLang="en-US" dirty="0"/>
+                    </a:p>
+                  </a:txBody>
+                  <a:tcPr anchor="ctr"/>
+                </a:tc>
+                <a:tc>
+                  <a:txBody>
+                    <a:bodyPr/>
+                    <a:lstStyle/>
+                    <a:p>
+                      <a:pPr algn="ctr"/>
+                      <a:r>
+                        <a:rPr lang="en-US" altLang="zh-CN" dirty="0"/>
+                        <a:t>.4253</a:t>
+                      </a:r>
+                      <a:endParaRPr lang="zh-CN" altLang="en-US" dirty="0"/>
+                    </a:p>
+                  </a:txBody>
+                  <a:tcPr anchor="ctr"/>
+                </a:tc>
+                <a:tc>
+                  <a:txBody>
+                    <a:bodyPr/>
+                    <a:lstStyle/>
+                    <a:p>
+                      <a:pPr algn="ctr"/>
+                      <a:r>
+                        <a:rPr lang="en-US" altLang="zh-CN" dirty="0">
+                          <a:solidFill>
+                            <a:schemeClr val="tx1"/>
+                          </a:solidFill>
+                        </a:rPr>
+                        <a:t>.6211</a:t>
+                      </a:r>
+                      <a:endParaRPr lang="zh-CN" altLang="en-US" dirty="0">
+                        <a:solidFill>
+                          <a:schemeClr val="tx1"/>
+                        </a:solidFill>
+                      </a:endParaRPr>
+                    </a:p>
+                  </a:txBody>
+                  <a:tcPr anchor="ctr"/>
+                </a:tc>
+                <a:tc>
+                  <a:txBody>
+                    <a:bodyPr/>
+                    <a:lstStyle/>
+                    <a:p>
+                      <a:pPr algn="ctr"/>
+                      <a:r>
+                        <a:rPr lang="en-US" altLang="zh-CN" dirty="0">
+                          <a:solidFill>
+                            <a:schemeClr val="tx1"/>
+                          </a:solidFill>
+                        </a:rPr>
+                        <a:t>.4946</a:t>
+                      </a:r>
+                      <a:endParaRPr lang="zh-CN" altLang="en-US" dirty="0">
+                        <a:solidFill>
+                          <a:schemeClr val="tx1"/>
+                        </a:solidFill>
+                      </a:endParaRPr>
+                    </a:p>
+                  </a:txBody>
+                  <a:tcPr anchor="ctr"/>
+                </a:tc>
+                <a:tc>
+                  <a:txBody>
+                    <a:bodyPr/>
+                    <a:lstStyle/>
+                    <a:p>
+                      <a:pPr algn="ctr"/>
+                      <a:r>
+                        <a:rPr lang="en-US" altLang="zh-CN" dirty="0"/>
+                        <a:t>.3837</a:t>
+                      </a:r>
+                      <a:endParaRPr lang="zh-CN" altLang="en-US" dirty="0"/>
+                    </a:p>
+                  </a:txBody>
+                  <a:tcPr anchor="ctr"/>
+                </a:tc>
+                <a:tc>
+                  <a:txBody>
+                    <a:bodyPr/>
+                    <a:lstStyle/>
+                    <a:p>
+                      <a:pPr algn="ctr"/>
+                      <a:r>
+                        <a:rPr lang="en-US" altLang="zh-CN" dirty="0"/>
+                        <a:t>.3890</a:t>
+                      </a:r>
+                      <a:endParaRPr lang="zh-CN" altLang="en-US" dirty="0"/>
+                    </a:p>
+                  </a:txBody>
+                  <a:tcPr anchor="ctr"/>
+                </a:tc>
+                <a:tc>
+                  <a:txBody>
+                    <a:bodyPr/>
+                    <a:lstStyle/>
+                    <a:p>
+                      <a:pPr algn="ctr"/>
+                      <a:r>
+                        <a:rPr lang="en-US" altLang="zh-CN" dirty="0"/>
+                        <a:t>.4723</a:t>
+                      </a:r>
+                      <a:endParaRPr lang="zh-CN" altLang="en-US" dirty="0"/>
+                    </a:p>
+                  </a:txBody>
+                  <a:tcPr anchor="ctr"/>
+                </a:tc>
+                <a:tc>
+                  <a:txBody>
+                    <a:bodyPr/>
+                    <a:lstStyle/>
+                    <a:p>
+                      <a:pPr algn="ctr"/>
+                      <a:r>
+                        <a:rPr lang="en-US" altLang="zh-CN" dirty="0"/>
+                        <a:t>.4498</a:t>
+                      </a:r>
+                      <a:endParaRPr lang="zh-CN" altLang="en-US" dirty="0"/>
+                    </a:p>
+                  </a:txBody>
+                  <a:tcPr anchor="ctr"/>
+                </a:tc>
+                <a:extLst>
+                  <a:ext uri="{0D108BD9-81ED-4DB2-BD59-A6C34878D82A}">
+                    <a16:rowId xmlns:a16="http://schemas.microsoft.com/office/drawing/2014/main" val="10004"/>
+                  </a:ext>
+                </a:extLst>
+              </a:tr>
+              <a:tr h="463801">
+                <a:tc>
+                  <a:txBody>
+                    <a:bodyPr/>
+                    <a:lstStyle/>
+                    <a:p>
+                      <a:pPr algn="ctr"/>
+                      <a:r>
+                        <a:rPr lang="en-US" altLang="zh-CN" dirty="0" err="1"/>
+                        <a:t>HBert</a:t>
+                      </a:r>
+                      <a:endParaRPr lang="zh-CN" altLang="en-US" dirty="0"/>
+                    </a:p>
+                  </a:txBody>
+                  <a:tcPr anchor="ctr"/>
+                </a:tc>
+                <a:tc>
+                  <a:txBody>
+                    <a:bodyPr/>
+                    <a:lstStyle/>
+                    <a:p>
+                      <a:pPr algn="ctr"/>
+                      <a:r>
+                        <a:rPr lang="en-US" altLang="zh-CN" sz="1800" dirty="0"/>
+                        <a:t>.4147</a:t>
+                      </a:r>
+                      <a:endParaRPr lang="zh-CN" altLang="en-US" sz="1800" dirty="0"/>
+                    </a:p>
+                  </a:txBody>
+                  <a:tcPr anchor="ctr"/>
+                </a:tc>
+                <a:tc>
+                  <a:txBody>
+                    <a:bodyPr/>
+                    <a:lstStyle/>
+                    <a:p>
+                      <a:pPr algn="ctr"/>
+                      <a:r>
+                        <a:rPr lang="en-US" altLang="zh-CN" sz="1800" dirty="0"/>
+                        <a:t>.4238</a:t>
+                      </a:r>
+                      <a:endParaRPr lang="zh-CN" altLang="en-US" sz="1800" dirty="0"/>
+                    </a:p>
+                  </a:txBody>
+                  <a:tcPr anchor="ctr"/>
+                </a:tc>
+                <a:tc>
+                  <a:txBody>
+                    <a:bodyPr/>
+                    <a:lstStyle/>
+                    <a:p>
+                      <a:pPr algn="ctr"/>
+                      <a:r>
+                        <a:rPr lang="en-US" altLang="zh-CN" dirty="0"/>
+                        <a:t>.6218</a:t>
+                      </a:r>
+                      <a:endParaRPr lang="zh-CN" altLang="en-US" dirty="0"/>
+                    </a:p>
+                  </a:txBody>
+                  <a:tcPr anchor="ctr"/>
+                </a:tc>
+                <a:tc>
+                  <a:txBody>
+                    <a:bodyPr/>
+                    <a:lstStyle/>
+                    <a:p>
+                      <a:pPr algn="ctr"/>
+                      <a:r>
+                        <a:rPr lang="en-US" altLang="zh-CN" dirty="0">
+                          <a:solidFill>
+                            <a:srgbClr val="FF0000"/>
+                          </a:solidFill>
+                        </a:rPr>
+                        <a:t>.4956</a:t>
+                      </a:r>
+                      <a:endParaRPr lang="zh-CN" altLang="en-US" dirty="0">
+                        <a:solidFill>
+                          <a:srgbClr val="FF0000"/>
+                        </a:solidFill>
+                      </a:endParaRPr>
+                    </a:p>
+                  </a:txBody>
+                  <a:tcPr anchor="ctr"/>
+                </a:tc>
+                <a:tc>
+                  <a:txBody>
+                    <a:bodyPr/>
+                    <a:lstStyle/>
+                    <a:p>
+                      <a:pPr algn="ctr"/>
+                      <a:r>
+                        <a:rPr lang="en-US" altLang="zh-CN" dirty="0">
+                          <a:solidFill>
+                            <a:srgbClr val="FF0000"/>
+                          </a:solidFill>
+                        </a:rPr>
+                        <a:t>.3923</a:t>
+                      </a:r>
+                      <a:endParaRPr lang="zh-CN" altLang="en-US" dirty="0">
+                        <a:solidFill>
+                          <a:srgbClr val="FF0000"/>
+                        </a:solidFill>
+                      </a:endParaRPr>
+                    </a:p>
+                  </a:txBody>
+                  <a:tcPr anchor="ctr"/>
+                </a:tc>
+                <a:tc>
+                  <a:txBody>
+                    <a:bodyPr/>
+                    <a:lstStyle/>
+                    <a:p>
+                      <a:pPr algn="ctr"/>
+                      <a:r>
+                        <a:rPr lang="en-US" altLang="zh-CN" dirty="0">
+                          <a:solidFill>
+                            <a:srgbClr val="FF0000"/>
+                          </a:solidFill>
+                        </a:rPr>
+                        <a:t>.3975</a:t>
+                      </a:r>
+                      <a:endParaRPr lang="zh-CN" altLang="en-US" dirty="0">
+                        <a:solidFill>
+                          <a:srgbClr val="FF0000"/>
+                        </a:solidFill>
+                      </a:endParaRPr>
+                    </a:p>
+                  </a:txBody>
+                  <a:tcPr anchor="ctr"/>
+                </a:tc>
+                <a:tc>
+                  <a:txBody>
+                    <a:bodyPr/>
+                    <a:lstStyle/>
+                    <a:p>
+                      <a:pPr algn="ctr"/>
+                      <a:r>
+                        <a:rPr lang="en-US" altLang="zh-CN" dirty="0">
+                          <a:solidFill>
+                            <a:srgbClr val="FF0000"/>
+                          </a:solidFill>
+                        </a:rPr>
+                        <a:t>.6401</a:t>
+                      </a:r>
+                      <a:endParaRPr lang="zh-CN" altLang="en-US" dirty="0">
+                        <a:solidFill>
+                          <a:srgbClr val="FF0000"/>
+                        </a:solidFill>
+                      </a:endParaRPr>
+                    </a:p>
+                  </a:txBody>
+                  <a:tcPr anchor="ctr"/>
+                </a:tc>
+                <a:tc>
+                  <a:txBody>
+                    <a:bodyPr/>
+                    <a:lstStyle/>
+                    <a:p>
+                      <a:pPr algn="ctr"/>
+                      <a:r>
+                        <a:rPr lang="en-US" altLang="zh-CN" dirty="0">
+                          <a:solidFill>
+                            <a:srgbClr val="FF0000"/>
+                          </a:solidFill>
+                        </a:rPr>
+                        <a:t>.5290</a:t>
+                      </a:r>
+                      <a:endParaRPr lang="zh-CN" altLang="en-US" dirty="0">
+                        <a:solidFill>
+                          <a:srgbClr val="FF0000"/>
+                        </a:solidFill>
+                      </a:endParaRPr>
+                    </a:p>
+                  </a:txBody>
+                  <a:tcPr anchor="ctr"/>
+                </a:tc>
+                <a:extLst>
+                  <a:ext uri="{0D108BD9-81ED-4DB2-BD59-A6C34878D82A}">
+                    <a16:rowId xmlns:a16="http://schemas.microsoft.com/office/drawing/2014/main" val="10005"/>
+                  </a:ext>
+                </a:extLst>
+              </a:tr>
+              <a:tr h="463801">
+                <a:tc>
+                  <a:txBody>
+                    <a:bodyPr/>
+                    <a:lstStyle/>
+                    <a:p>
+                      <a:pPr algn="ctr"/>
+                      <a:r>
+                        <a:rPr lang="en-US" altLang="zh-CN" dirty="0"/>
+                        <a:t>2layer+share</a:t>
+                      </a:r>
+                      <a:endParaRPr lang="zh-CN" altLang="en-US" dirty="0"/>
+                    </a:p>
+                  </a:txBody>
+                  <a:tcPr anchor="ctr"/>
+                </a:tc>
+                <a:tc>
+                  <a:txBody>
+                    <a:bodyPr/>
+                    <a:lstStyle/>
+                    <a:p>
+                      <a:pPr algn="ctr"/>
+                      <a:r>
+                        <a:rPr lang="en-US" altLang="zh-CN" sz="1800" dirty="0"/>
+                        <a:t>.4165</a:t>
+                      </a:r>
+                      <a:endParaRPr lang="zh-CN" altLang="en-US" sz="1800" dirty="0"/>
+                    </a:p>
+                  </a:txBody>
+                  <a:tcPr anchor="ctr"/>
+                </a:tc>
+                <a:tc>
+                  <a:txBody>
+                    <a:bodyPr/>
+                    <a:lstStyle/>
+                    <a:p>
+                      <a:pPr algn="ctr"/>
+                      <a:r>
+                        <a:rPr lang="en-US" altLang="zh-CN" sz="1800" dirty="0"/>
+                        <a:t>.4256</a:t>
+                      </a:r>
+                      <a:endParaRPr lang="zh-CN" altLang="en-US" sz="1800" dirty="0"/>
+                    </a:p>
+                  </a:txBody>
+                  <a:tcPr anchor="ctr"/>
+                </a:tc>
+                <a:tc>
+                  <a:txBody>
+                    <a:bodyPr/>
+                    <a:lstStyle/>
+                    <a:p>
+                      <a:pPr algn="ctr"/>
+                      <a:r>
+                        <a:rPr lang="en-US" altLang="zh-CN" dirty="0"/>
+                        <a:t>.6047</a:t>
+                      </a:r>
+                      <a:endParaRPr lang="zh-CN" altLang="en-US" dirty="0"/>
+                    </a:p>
+                  </a:txBody>
+                  <a:tcPr anchor="ctr"/>
+                </a:tc>
+                <a:tc>
+                  <a:txBody>
+                    <a:bodyPr/>
+                    <a:lstStyle/>
+                    <a:p>
+                      <a:pPr algn="ctr"/>
+                      <a:r>
+                        <a:rPr lang="en-US" altLang="zh-CN" dirty="0"/>
+                        <a:t>.4882</a:t>
+                      </a:r>
+                      <a:endParaRPr lang="zh-CN" altLang="en-US" dirty="0"/>
+                    </a:p>
+                  </a:txBody>
+                  <a:tcPr anchor="ctr"/>
+                </a:tc>
+                <a:tc>
+                  <a:txBody>
+                    <a:bodyPr/>
+                    <a:lstStyle/>
+                    <a:p>
+                      <a:pPr algn="ctr"/>
+                      <a:r>
+                        <a:rPr lang="en-US" altLang="zh-CN" dirty="0"/>
+                        <a:t>.3876</a:t>
+                      </a:r>
+                      <a:endParaRPr lang="zh-CN" altLang="en-US" dirty="0"/>
+                    </a:p>
+                  </a:txBody>
+                  <a:tcPr anchor="ctr"/>
+                </a:tc>
+                <a:tc>
+                  <a:txBody>
+                    <a:bodyPr/>
+                    <a:lstStyle/>
+                    <a:p>
+                      <a:pPr algn="ctr"/>
+                      <a:r>
+                        <a:rPr lang="en-US" altLang="zh-CN" dirty="0">
+                          <a:solidFill>
+                            <a:schemeClr val="tx1"/>
+                          </a:solidFill>
+                        </a:rPr>
+                        <a:t>.3933</a:t>
+                      </a:r>
+                      <a:endParaRPr lang="zh-CN" altLang="en-US" dirty="0">
+                        <a:solidFill>
+                          <a:schemeClr val="tx1"/>
+                        </a:solidFill>
+                      </a:endParaRPr>
+                    </a:p>
+                  </a:txBody>
+                  <a:tcPr anchor="ctr"/>
+                </a:tc>
+                <a:tc>
+                  <a:txBody>
+                    <a:bodyPr/>
+                    <a:lstStyle/>
+                    <a:p>
+                      <a:pPr algn="ctr"/>
+                      <a:r>
+                        <a:rPr lang="en-US" altLang="zh-CN" dirty="0"/>
+                        <a:t>.6325</a:t>
+                      </a:r>
+                      <a:endParaRPr lang="zh-CN" altLang="en-US" dirty="0"/>
+                    </a:p>
+                  </a:txBody>
+                  <a:tcPr anchor="ctr"/>
+                </a:tc>
+                <a:tc>
+                  <a:txBody>
+                    <a:bodyPr/>
+                    <a:lstStyle/>
+                    <a:p>
+                      <a:pPr algn="ctr"/>
+                      <a:r>
+                        <a:rPr lang="en-US" altLang="zh-CN" dirty="0">
+                          <a:solidFill>
+                            <a:schemeClr val="tx1"/>
+                          </a:solidFill>
+                        </a:rPr>
+                        <a:t>.5280</a:t>
+                      </a:r>
+                      <a:endParaRPr lang="zh-CN" altLang="en-US" dirty="0">
+                        <a:solidFill>
+                          <a:schemeClr val="tx1"/>
+                        </a:solidFill>
+                      </a:endParaRPr>
+                    </a:p>
+                  </a:txBody>
+                  <a:tcPr anchor="ctr"/>
+                </a:tc>
+                <a:extLst>
+                  <a:ext uri="{0D108BD9-81ED-4DB2-BD59-A6C34878D82A}">
+                    <a16:rowId xmlns:a16="http://schemas.microsoft.com/office/drawing/2014/main" val="10006"/>
+                  </a:ext>
+                </a:extLst>
+              </a:tr>
+              <a:tr h="463801">
+                <a:tc>
+                  <a:txBody>
+                    <a:bodyPr/>
+                    <a:lstStyle/>
+                    <a:p>
+                      <a:pPr algn="ctr"/>
+                      <a:r>
+                        <a:rPr lang="en-US" altLang="zh-CN" dirty="0"/>
+                        <a:t>1layer+share</a:t>
+                      </a:r>
+                      <a:endParaRPr lang="zh-CN" altLang="en-US" dirty="0"/>
+                    </a:p>
+                  </a:txBody>
+                  <a:tcPr anchor="ctr"/>
+                </a:tc>
+                <a:tc>
+                  <a:txBody>
+                    <a:bodyPr/>
+                    <a:lstStyle/>
+                    <a:p>
+                      <a:pPr algn="ctr"/>
+                      <a:r>
+                        <a:rPr lang="en-US" altLang="zh-CN" sz="1800" dirty="0">
+                          <a:solidFill>
+                            <a:srgbClr val="FF0000"/>
+                          </a:solidFill>
+                        </a:rPr>
+                        <a:t>.4188</a:t>
+                      </a:r>
+                      <a:endParaRPr lang="zh-CN" altLang="en-US" sz="1800" dirty="0">
+                        <a:solidFill>
+                          <a:srgbClr val="FF0000"/>
+                        </a:solidFill>
+                      </a:endParaRPr>
+                    </a:p>
+                  </a:txBody>
+                  <a:tcPr anchor="ctr"/>
+                </a:tc>
+                <a:tc>
+                  <a:txBody>
+                    <a:bodyPr/>
+                    <a:lstStyle/>
+                    <a:p>
+                      <a:pPr algn="ctr"/>
+                      <a:r>
+                        <a:rPr lang="en-US" altLang="zh-CN" sz="1800" dirty="0">
+                          <a:solidFill>
+                            <a:srgbClr val="FF0000"/>
+                          </a:solidFill>
+                        </a:rPr>
+                        <a:t>.4278</a:t>
+                      </a:r>
+                      <a:endParaRPr lang="zh-CN" altLang="en-US" sz="1800" dirty="0">
+                        <a:solidFill>
+                          <a:srgbClr val="FF0000"/>
+                        </a:solidFill>
+                      </a:endParaRPr>
+                    </a:p>
+                  </a:txBody>
+                  <a:tcPr anchor="ctr"/>
+                </a:tc>
+                <a:tc>
+                  <a:txBody>
+                    <a:bodyPr/>
+                    <a:lstStyle/>
+                    <a:p>
+                      <a:pPr algn="ctr"/>
+                      <a:r>
+                        <a:rPr lang="en-US" altLang="zh-CN" dirty="0"/>
+                        <a:t>.5988</a:t>
+                      </a:r>
+                      <a:endParaRPr lang="zh-CN" altLang="en-US" dirty="0"/>
+                    </a:p>
+                  </a:txBody>
+                  <a:tcPr anchor="ctr"/>
+                </a:tc>
+                <a:tc>
+                  <a:txBody>
+                    <a:bodyPr/>
+                    <a:lstStyle/>
+                    <a:p>
+                      <a:pPr algn="ctr"/>
+                      <a:r>
+                        <a:rPr lang="en-US" altLang="zh-CN" dirty="0"/>
+                        <a:t>.4866</a:t>
+                      </a:r>
+                      <a:endParaRPr lang="zh-CN" altLang="en-US" dirty="0"/>
+                    </a:p>
+                  </a:txBody>
+                  <a:tcPr anchor="ctr"/>
+                </a:tc>
+                <a:tc>
+                  <a:txBody>
+                    <a:bodyPr/>
+                    <a:lstStyle/>
+                    <a:p>
+                      <a:pPr algn="ctr"/>
+                      <a:r>
+                        <a:rPr lang="en-US" altLang="zh-CN" dirty="0"/>
+                        <a:t>.3810</a:t>
+                      </a:r>
+                      <a:endParaRPr lang="zh-CN" altLang="en-US" dirty="0"/>
+                    </a:p>
+                  </a:txBody>
+                  <a:tcPr anchor="ctr"/>
+                </a:tc>
+                <a:tc>
+                  <a:txBody>
+                    <a:bodyPr/>
+                    <a:lstStyle/>
+                    <a:p>
+                      <a:pPr algn="ctr"/>
+                      <a:r>
+                        <a:rPr lang="en-US" altLang="zh-CN" dirty="0"/>
+                        <a:t>.3872</a:t>
+                      </a:r>
+                      <a:endParaRPr lang="zh-CN" altLang="en-US" dirty="0"/>
+                    </a:p>
+                  </a:txBody>
+                  <a:tcPr anchor="ctr"/>
+                </a:tc>
+                <a:tc>
+                  <a:txBody>
+                    <a:bodyPr/>
+                    <a:lstStyle/>
+                    <a:p>
+                      <a:pPr algn="ctr"/>
+                      <a:r>
+                        <a:rPr lang="en-US" altLang="zh-CN" dirty="0"/>
+                        <a:t>.6237</a:t>
+                      </a:r>
+                      <a:endParaRPr lang="zh-CN" altLang="en-US" dirty="0"/>
+                    </a:p>
+                  </a:txBody>
+                  <a:tcPr anchor="ctr"/>
+                </a:tc>
+                <a:tc>
+                  <a:txBody>
+                    <a:bodyPr/>
+                    <a:lstStyle/>
+                    <a:p>
+                      <a:pPr algn="ctr"/>
+                      <a:r>
+                        <a:rPr lang="en-US" altLang="zh-CN" dirty="0"/>
+                        <a:t>.5266</a:t>
+                      </a:r>
+                      <a:endParaRPr lang="zh-CN" altLang="en-US" dirty="0"/>
+                    </a:p>
+                  </a:txBody>
+                  <a:tcPr anchor="ctr"/>
+                </a:tc>
+                <a:extLst>
+                  <a:ext uri="{0D108BD9-81ED-4DB2-BD59-A6C34878D82A}">
+                    <a16:rowId xmlns:a16="http://schemas.microsoft.com/office/drawing/2014/main" val="10007"/>
+                  </a:ext>
+                </a:extLst>
+              </a:tr>
+              <a:tr h="463801">
+                <a:tc>
+                  <a:txBody>
+                    <a:bodyPr/>
+                    <a:lstStyle/>
+                    <a:p>
+                      <a:pPr algn="ctr"/>
+                      <a:r>
+                        <a:rPr lang="en-US" altLang="zh-CN" dirty="0"/>
+                        <a:t>1layer+not_share</a:t>
+                      </a:r>
+                      <a:endParaRPr lang="zh-CN" altLang="en-US" dirty="0"/>
+                    </a:p>
+                  </a:txBody>
+                  <a:tcPr anchor="ctr"/>
+                </a:tc>
+                <a:tc>
+                  <a:txBody>
+                    <a:bodyPr/>
+                    <a:lstStyle/>
+                    <a:p>
+                      <a:pPr algn="ctr"/>
+                      <a:r>
+                        <a:rPr lang="en-US" altLang="zh-CN" sz="1800" dirty="0"/>
+                        <a:t>.4180</a:t>
+                      </a:r>
+                      <a:endParaRPr lang="zh-CN" altLang="en-US" sz="1800" dirty="0"/>
+                    </a:p>
+                  </a:txBody>
+                  <a:tcPr anchor="ctr"/>
+                </a:tc>
+                <a:tc>
+                  <a:txBody>
+                    <a:bodyPr/>
+                    <a:lstStyle/>
+                    <a:p>
+                      <a:pPr algn="ctr"/>
+                      <a:r>
+                        <a:rPr lang="en-US" altLang="zh-CN" sz="1800" dirty="0"/>
+                        <a:t>.4272</a:t>
+                      </a:r>
+                      <a:endParaRPr lang="zh-CN" altLang="en-US" sz="1800" dirty="0"/>
+                    </a:p>
+                  </a:txBody>
+                  <a:tcPr anchor="ctr"/>
+                </a:tc>
+                <a:tc>
+                  <a:txBody>
+                    <a:bodyPr/>
+                    <a:lstStyle/>
+                    <a:p>
+                      <a:pPr algn="ctr"/>
+                      <a:r>
+                        <a:rPr lang="en-US" altLang="zh-CN" dirty="0"/>
+                        <a:t>.6004</a:t>
+                      </a:r>
+                      <a:endParaRPr lang="zh-CN" altLang="en-US" dirty="0"/>
+                    </a:p>
+                  </a:txBody>
+                  <a:tcPr anchor="ctr"/>
+                </a:tc>
+                <a:tc>
+                  <a:txBody>
+                    <a:bodyPr/>
+                    <a:lstStyle/>
+                    <a:p>
+                      <a:pPr algn="ctr"/>
+                      <a:r>
+                        <a:rPr lang="en-US" altLang="zh-CN" dirty="0"/>
+                        <a:t>.4880</a:t>
+                      </a:r>
+                      <a:endParaRPr lang="zh-CN" altLang="en-US" dirty="0"/>
+                    </a:p>
+                  </a:txBody>
+                  <a:tcPr anchor="ctr"/>
+                </a:tc>
+                <a:tc>
+                  <a:txBody>
+                    <a:bodyPr/>
+                    <a:lstStyle/>
+                    <a:p>
+                      <a:pPr algn="ctr"/>
+                      <a:r>
+                        <a:rPr lang="en-US" altLang="zh-CN" dirty="0"/>
+                        <a:t>.3801</a:t>
+                      </a:r>
+                      <a:endParaRPr lang="zh-CN" altLang="en-US" dirty="0"/>
+                    </a:p>
+                  </a:txBody>
+                  <a:tcPr anchor="ctr"/>
+                </a:tc>
+                <a:tc>
+                  <a:txBody>
+                    <a:bodyPr/>
+                    <a:lstStyle/>
+                    <a:p>
+                      <a:pPr algn="ctr"/>
+                      <a:r>
+                        <a:rPr lang="en-US" altLang="zh-CN" dirty="0"/>
+                        <a:t>.3862</a:t>
+                      </a:r>
+                      <a:endParaRPr lang="zh-CN" altLang="en-US" dirty="0"/>
+                    </a:p>
+                  </a:txBody>
+                  <a:tcPr anchor="ctr"/>
+                </a:tc>
+                <a:tc>
+                  <a:txBody>
+                    <a:bodyPr/>
+                    <a:lstStyle/>
+                    <a:p>
+                      <a:pPr algn="ctr"/>
+                      <a:r>
+                        <a:rPr lang="en-US" altLang="zh-CN" dirty="0"/>
+                        <a:t>.6226</a:t>
+                      </a:r>
+                      <a:endParaRPr lang="zh-CN" altLang="en-US" dirty="0"/>
+                    </a:p>
+                  </a:txBody>
+                  <a:tcPr anchor="ctr"/>
+                </a:tc>
+                <a:tc>
+                  <a:txBody>
+                    <a:bodyPr/>
+                    <a:lstStyle/>
+                    <a:p>
+                      <a:pPr algn="ctr"/>
+                      <a:r>
+                        <a:rPr lang="en-US" altLang="zh-CN" dirty="0">
+                          <a:solidFill>
+                            <a:schemeClr val="tx1"/>
+                          </a:solidFill>
+                        </a:rPr>
+                        <a:t>.5279</a:t>
+                      </a:r>
+                      <a:endParaRPr lang="zh-CN" altLang="en-US" dirty="0">
+                        <a:solidFill>
+                          <a:schemeClr val="tx1"/>
+                        </a:solidFill>
+                      </a:endParaRPr>
+                    </a:p>
+                  </a:txBody>
+                  <a:tcPr anchor="ctr"/>
+                </a:tc>
+                <a:extLst>
+                  <a:ext uri="{0D108BD9-81ED-4DB2-BD59-A6C34878D82A}">
+                    <a16:rowId xmlns:a16="http://schemas.microsoft.com/office/drawing/2014/main" val="10008"/>
+                  </a:ext>
+                </a:extLst>
+              </a:tr>
+              <a:tr h="463801">
+                <a:tc>
+                  <a:txBody>
+                    <a:bodyPr/>
+                    <a:lstStyle/>
+                    <a:p>
+                      <a:pPr algn="ctr"/>
+                      <a:r>
+                        <a:rPr lang="en-US" altLang="zh-CN" dirty="0"/>
+                        <a:t>3layer+share</a:t>
+                      </a:r>
+                      <a:endParaRPr lang="zh-CN" altLang="en-US" dirty="0"/>
+                    </a:p>
+                  </a:txBody>
+                  <a:tcPr anchor="ctr"/>
+                </a:tc>
+                <a:tc>
+                  <a:txBody>
+                    <a:bodyPr/>
+                    <a:lstStyle/>
+                    <a:p>
+                      <a:pPr algn="ctr"/>
+                      <a:r>
+                        <a:rPr lang="en-US" altLang="zh-CN" sz="1800" dirty="0"/>
+                        <a:t>.4163</a:t>
+                      </a:r>
+                      <a:endParaRPr lang="zh-CN" altLang="en-US" sz="1800" dirty="0"/>
+                    </a:p>
+                  </a:txBody>
+                  <a:tcPr anchor="ctr"/>
+                </a:tc>
+                <a:tc>
+                  <a:txBody>
+                    <a:bodyPr/>
+                    <a:lstStyle/>
+                    <a:p>
+                      <a:pPr algn="ctr"/>
+                      <a:r>
+                        <a:rPr lang="en-US" altLang="zh-CN" sz="1800" dirty="0"/>
+                        <a:t>.4252</a:t>
+                      </a:r>
+                      <a:endParaRPr lang="zh-CN" altLang="en-US" sz="1800" dirty="0"/>
+                    </a:p>
+                  </a:txBody>
+                  <a:tcPr anchor="ctr"/>
+                </a:tc>
+                <a:tc>
+                  <a:txBody>
+                    <a:bodyPr/>
+                    <a:lstStyle/>
+                    <a:p>
+                      <a:pPr algn="ctr"/>
+                      <a:r>
+                        <a:rPr lang="en-US" altLang="zh-CN" dirty="0"/>
+                        <a:t>.6014</a:t>
+                      </a:r>
+                      <a:endParaRPr lang="zh-CN" altLang="en-US" dirty="0"/>
+                    </a:p>
+                  </a:txBody>
+                  <a:tcPr anchor="ctr"/>
+                </a:tc>
+                <a:tc>
+                  <a:txBody>
+                    <a:bodyPr/>
+                    <a:lstStyle/>
+                    <a:p>
+                      <a:pPr algn="ctr"/>
+                      <a:r>
+                        <a:rPr lang="en-US" altLang="zh-CN" dirty="0"/>
+                        <a:t>.4895</a:t>
+                      </a:r>
+                      <a:endParaRPr lang="zh-CN" altLang="en-US" dirty="0"/>
+                    </a:p>
+                  </a:txBody>
+                  <a:tcPr anchor="ctr"/>
+                </a:tc>
+                <a:tc>
+                  <a:txBody>
+                    <a:bodyPr/>
+                    <a:lstStyle/>
+                    <a:p>
+                      <a:pPr algn="ctr"/>
+                      <a:r>
+                        <a:rPr lang="en-US" altLang="zh-CN" dirty="0">
+                          <a:solidFill>
+                            <a:schemeClr val="tx1"/>
+                          </a:solidFill>
+                        </a:rPr>
+                        <a:t>.3880</a:t>
+                      </a:r>
+                      <a:endParaRPr lang="zh-CN" altLang="en-US" dirty="0">
+                        <a:solidFill>
+                          <a:schemeClr val="tx1"/>
+                        </a:solidFill>
+                      </a:endParaRPr>
+                    </a:p>
+                  </a:txBody>
+                  <a:tcPr anchor="ctr"/>
+                </a:tc>
+                <a:tc>
+                  <a:txBody>
+                    <a:bodyPr/>
+                    <a:lstStyle/>
+                    <a:p>
+                      <a:pPr algn="ctr"/>
+                      <a:r>
+                        <a:rPr lang="en-US" altLang="zh-CN" dirty="0">
+                          <a:solidFill>
+                            <a:schemeClr val="tx1"/>
+                          </a:solidFill>
+                        </a:rPr>
+                        <a:t>.3933</a:t>
+                      </a:r>
+                      <a:endParaRPr lang="zh-CN" altLang="en-US" dirty="0">
+                        <a:solidFill>
+                          <a:schemeClr val="tx1"/>
+                        </a:solidFill>
+                      </a:endParaRPr>
+                    </a:p>
+                  </a:txBody>
+                  <a:tcPr anchor="ctr"/>
+                </a:tc>
+                <a:tc>
+                  <a:txBody>
+                    <a:bodyPr/>
+                    <a:lstStyle/>
+                    <a:p>
+                      <a:pPr algn="ctr"/>
+                      <a:r>
+                        <a:rPr lang="en-US" altLang="zh-CN" dirty="0">
+                          <a:solidFill>
+                            <a:schemeClr val="tx1"/>
+                          </a:solidFill>
+                        </a:rPr>
+                        <a:t>.6338</a:t>
+                      </a:r>
+                      <a:endParaRPr lang="zh-CN" altLang="en-US" dirty="0">
+                        <a:solidFill>
+                          <a:schemeClr val="tx1"/>
+                        </a:solidFill>
+                      </a:endParaRPr>
+                    </a:p>
+                  </a:txBody>
+                  <a:tcPr anchor="ctr"/>
+                </a:tc>
+                <a:tc>
+                  <a:txBody>
+                    <a:bodyPr/>
+                    <a:lstStyle/>
+                    <a:p>
+                      <a:pPr algn="ctr"/>
+                      <a:r>
+                        <a:rPr lang="en-US" altLang="zh-CN" dirty="0"/>
+                        <a:t>.5257</a:t>
+                      </a:r>
+                      <a:endParaRPr lang="zh-CN" altLang="en-US" dirty="0"/>
+                    </a:p>
+                  </a:txBody>
+                  <a:tcPr anchor="ctr"/>
+                </a:tc>
+                <a:extLst>
+                  <a:ext uri="{0D108BD9-81ED-4DB2-BD59-A6C34878D82A}">
+                    <a16:rowId xmlns:a16="http://schemas.microsoft.com/office/drawing/2014/main" val="10009"/>
+                  </a:ext>
+                </a:extLst>
+              </a:tr>
+            </a:tbl>
+          </a:graphicData>
+        </a:graphic>
+      </p:graphicFrame>
+    </p:spTree>
+    <p:extLst>
+      <p:ext uri="{BB962C8B-B14F-4D97-AF65-F5344CB8AC3E}">
+        <p14:creationId xmlns:p14="http://schemas.microsoft.com/office/powerpoint/2010/main" val="1198124434"/>
+      </p:ext>
+    </p:extLst>
+  </p:cSld>
+  <p:clrMapOvr>
+    <a:masterClrMapping/>
+  </p:clrMapOvr>
+</p:sld>
+</file>
+
+<file path=ppt/slides/slide3.xml><?xml version="1.0" encoding="utf-8"?>
 <p:sld xmlns:a="http://schemas.openxmlformats.org/drawingml/2006/main" xmlns:r="http://schemas.openxmlformats.org/officeDocument/2006/relationships" xmlns:p="http://schemas.openxmlformats.org/presentationml/2006/main">
   <p:cSld>
     <p:spTree>
@@ -4530,12 +7591,48 @@
                 <a:tableStyleId>{5C22544A-7EE6-4342-B048-85BDC9FD1C3A}</a:tableStyleId>
               </a:tblPr>
               <a:tblGrid>
-                <a:gridCol w="2156524"/>
-                <a:gridCol w="2064068"/>
-                <a:gridCol w="1297532"/>
-                <a:gridCol w="1114742"/>
-                <a:gridCol w="1339516"/>
-                <a:gridCol w="1167465"/>
+                <a:gridCol w="2156524">
+                  <a:extLst>
+                    <a:ext uri="{9D8B030D-6E8A-4147-A177-3AD203B41FA5}">
+                      <a16:colId xmlns:a16="http://schemas.microsoft.com/office/drawing/2014/main" val="20000"/>
+                    </a:ext>
+                  </a:extLst>
+                </a:gridCol>
+                <a:gridCol w="2064068">
+                  <a:extLst>
+                    <a:ext uri="{9D8B030D-6E8A-4147-A177-3AD203B41FA5}">
+                      <a16:colId xmlns:a16="http://schemas.microsoft.com/office/drawing/2014/main" val="20001"/>
+                    </a:ext>
+                  </a:extLst>
+                </a:gridCol>
+                <a:gridCol w="1297532">
+                  <a:extLst>
+                    <a:ext uri="{9D8B030D-6E8A-4147-A177-3AD203B41FA5}">
+                      <a16:colId xmlns:a16="http://schemas.microsoft.com/office/drawing/2014/main" val="20002"/>
+                    </a:ext>
+                  </a:extLst>
+                </a:gridCol>
+                <a:gridCol w="1114742">
+                  <a:extLst>
+                    <a:ext uri="{9D8B030D-6E8A-4147-A177-3AD203B41FA5}">
+                      <a16:colId xmlns:a16="http://schemas.microsoft.com/office/drawing/2014/main" val="20003"/>
+                    </a:ext>
+                  </a:extLst>
+                </a:gridCol>
+                <a:gridCol w="1339516">
+                  <a:extLst>
+                    <a:ext uri="{9D8B030D-6E8A-4147-A177-3AD203B41FA5}">
+                      <a16:colId xmlns:a16="http://schemas.microsoft.com/office/drawing/2014/main" val="20004"/>
+                    </a:ext>
+                  </a:extLst>
+                </a:gridCol>
+                <a:gridCol w="1167465">
+                  <a:extLst>
+                    <a:ext uri="{9D8B030D-6E8A-4147-A177-3AD203B41FA5}">
+                      <a16:colId xmlns:a16="http://schemas.microsoft.com/office/drawing/2014/main" val="20005"/>
+                    </a:ext>
+                  </a:extLst>
+                </a:gridCol>
               </a:tblGrid>
               <a:tr h="351731">
                 <a:tc rowSpan="2">
@@ -4556,7 +7653,7 @@
                     <a:p>
                       <a:pPr algn="ctr"/>
                       <a:r>
-                        <a:rPr lang="en-US" altLang="zh-CN" sz="1800" dirty="0" smtClean="0"/>
+                        <a:rPr lang="en-US" altLang="zh-CN" sz="1800" dirty="0"/>
                         <a:t>Models</a:t>
                       </a:r>
                       <a:endParaRPr lang="zh-CN" altLang="en-US" sz="1800" dirty="0"/>
@@ -4571,7 +7668,7 @@
                     <a:p>
                       <a:pPr algn="ctr"/>
                       <a:r>
-                        <a:rPr lang="en-US" altLang="zh-CN" sz="1800" dirty="0" smtClean="0"/>
+                        <a:rPr lang="en-US" altLang="zh-CN" sz="1800" dirty="0"/>
                         <a:t>MS-Marco</a:t>
                       </a:r>
                       <a:endParaRPr lang="zh-CN" altLang="en-US" sz="1800" dirty="0"/>
@@ -4596,11 +7693,11 @@
                     <a:p>
                       <a:pPr algn="ctr"/>
                       <a:r>
-                        <a:rPr lang="en-US" altLang="zh-CN" sz="1800" dirty="0" err="1" smtClean="0"/>
+                        <a:rPr lang="en-US" altLang="zh-CN" sz="1800" dirty="0" err="1"/>
                         <a:t>Trec</a:t>
                       </a:r>
                       <a:r>
-                        <a:rPr lang="en-US" altLang="zh-CN" sz="1800" dirty="0" smtClean="0"/>
+                        <a:rPr lang="en-US" altLang="zh-CN" sz="1800" dirty="0"/>
                         <a:t>-DL</a:t>
                       </a:r>
                       <a:endParaRPr lang="zh-CN" altLang="en-US" sz="1800" dirty="0"/>
@@ -4618,6 +7715,11 @@
                   </a:txBody>
                   <a:tcPr/>
                 </a:tc>
+                <a:extLst>
+                  <a:ext uri="{0D108BD9-81ED-4DB2-BD59-A6C34878D82A}">
+                    <a16:rowId xmlns:a16="http://schemas.microsoft.com/office/drawing/2014/main" val="10000"/>
+                  </a:ext>
+                </a:extLst>
               </a:tr>
               <a:tr h="351731">
                 <a:tc vMerge="1">
@@ -4647,7 +7749,7 @@
                     <a:p>
                       <a:pPr algn="ctr"/>
                       <a:r>
-                        <a:rPr lang="en-US" altLang="zh-CN" sz="1800" dirty="0" smtClean="0"/>
+                        <a:rPr lang="en-US" altLang="zh-CN" sz="1800" dirty="0"/>
                         <a:t>MRR@100</a:t>
                       </a:r>
                       <a:endParaRPr lang="zh-CN" altLang="en-US" sz="1800" dirty="0"/>
@@ -4662,7 +7764,7 @@
                     <a:p>
                       <a:pPr algn="ctr"/>
                       <a:r>
-                        <a:rPr lang="en-US" altLang="zh-CN" sz="1800" dirty="0" smtClean="0"/>
+                        <a:rPr lang="en-US" altLang="zh-CN" sz="1800" dirty="0"/>
                         <a:t>MRR@10</a:t>
                       </a:r>
                       <a:endParaRPr lang="zh-CN" altLang="en-US" sz="1800" dirty="0"/>
@@ -4677,7 +7779,7 @@
                     <a:p>
                       <a:pPr algn="ctr"/>
                       <a:r>
-                        <a:rPr lang="en-US" altLang="zh-CN" sz="1800" dirty="0" smtClean="0"/>
+                        <a:rPr lang="en-US" altLang="zh-CN" sz="1800" dirty="0"/>
                         <a:t>ndcg@100</a:t>
                       </a:r>
                       <a:endParaRPr lang="zh-CN" altLang="en-US" sz="1800" dirty="0"/>
@@ -4692,7 +7794,7 @@
                     <a:p>
                       <a:pPr algn="ctr"/>
                       <a:r>
-                        <a:rPr lang="en-US" altLang="zh-CN" sz="1800" dirty="0" smtClean="0"/>
+                        <a:rPr lang="en-US" altLang="zh-CN" sz="1800" dirty="0"/>
                         <a:t>ndcg@10</a:t>
                       </a:r>
                       <a:endParaRPr lang="zh-CN" altLang="en-US" sz="1800" dirty="0"/>
@@ -4700,6 +7802,11 @@
                   </a:txBody>
                   <a:tcPr/>
                 </a:tc>
+                <a:extLst>
+                  <a:ext uri="{0D108BD9-81ED-4DB2-BD59-A6C34878D82A}">
+                    <a16:rowId xmlns:a16="http://schemas.microsoft.com/office/drawing/2014/main" val="10001"/>
+                  </a:ext>
+                </a:extLst>
               </a:tr>
               <a:tr h="351731">
                 <a:tc>
@@ -4709,7 +7816,7 @@
                     <a:p>
                       <a:pPr algn="ctr"/>
                       <a:r>
-                        <a:rPr lang="en-US" altLang="zh-CN" sz="1800" dirty="0" smtClean="0"/>
+                        <a:rPr lang="en-US" altLang="zh-CN" sz="1800" dirty="0"/>
                         <a:t>Ours</a:t>
                       </a:r>
                       <a:endParaRPr lang="zh-CN" altLang="en-US" sz="1800" dirty="0"/>
@@ -4724,7 +7831,7 @@
                     <a:p>
                       <a:pPr algn="ctr"/>
                       <a:r>
-                        <a:rPr lang="en-US" altLang="zh-CN" sz="1800" dirty="0" err="1" smtClean="0"/>
+                        <a:rPr lang="en-US" altLang="zh-CN" sz="1800" dirty="0" err="1"/>
                         <a:t>HBert</a:t>
                       </a:r>
                       <a:endParaRPr lang="zh-CN" altLang="en-US" sz="1800" dirty="0"/>
@@ -4739,7 +7846,7 @@
                     <a:p>
                       <a:pPr algn="ctr"/>
                       <a:r>
-                        <a:rPr lang="en-US" altLang="zh-CN" dirty="0" smtClean="0"/>
+                        <a:rPr lang="en-US" altLang="zh-CN" dirty="0"/>
                         <a:t>.4418</a:t>
                       </a:r>
                       <a:endParaRPr lang="zh-CN" altLang="en-US" dirty="0"/>
@@ -4754,7 +7861,7 @@
                     <a:p>
                       <a:pPr algn="ctr"/>
                       <a:r>
-                        <a:rPr lang="en-US" altLang="zh-CN" dirty="0" smtClean="0"/>
+                        <a:rPr lang="en-US" altLang="zh-CN" dirty="0"/>
                         <a:t>.4335</a:t>
                       </a:r>
                       <a:endParaRPr lang="zh-CN" altLang="en-US" dirty="0"/>
@@ -4769,7 +7876,7 @@
                     <a:p>
                       <a:pPr algn="ctr"/>
                       <a:r>
-                        <a:rPr lang="en-US" altLang="zh-CN" dirty="0" smtClean="0"/>
+                        <a:rPr lang="en-US" altLang="zh-CN" dirty="0"/>
                         <a:t>.4906</a:t>
                       </a:r>
                       <a:endParaRPr lang="zh-CN" altLang="en-US" dirty="0"/>
@@ -4784,7 +7891,7 @@
                     <a:p>
                       <a:pPr algn="ctr"/>
                       <a:r>
-                        <a:rPr lang="en-US" altLang="zh-CN" dirty="0" smtClean="0"/>
+                        <a:rPr lang="en-US" altLang="zh-CN" dirty="0"/>
                         <a:t>.6076</a:t>
                       </a:r>
                       <a:endParaRPr lang="zh-CN" altLang="en-US" dirty="0"/>
@@ -4792,6 +7899,11 @@
                   </a:txBody>
                   <a:tcPr anchor="ctr"/>
                 </a:tc>
+                <a:extLst>
+                  <a:ext uri="{0D108BD9-81ED-4DB2-BD59-A6C34878D82A}">
+                    <a16:rowId xmlns:a16="http://schemas.microsoft.com/office/drawing/2014/main" val="10002"/>
+                  </a:ext>
+                </a:extLst>
               </a:tr>
               <a:tr h="351731">
                 <a:tc rowSpan="4">
@@ -4801,7 +7913,7 @@
                     <a:p>
                       <a:pPr algn="ctr"/>
                       <a:r>
-                        <a:rPr lang="en-US" altLang="zh-CN" sz="1800" dirty="0" smtClean="0"/>
+                        <a:rPr lang="en-US" altLang="zh-CN" sz="1800" dirty="0"/>
                         <a:t>Baseline</a:t>
                       </a:r>
                       <a:endParaRPr lang="zh-CN" altLang="en-US" sz="1800" dirty="0"/>
@@ -4816,7 +7928,7 @@
                     <a:p>
                       <a:pPr algn="ctr"/>
                       <a:r>
-                        <a:rPr lang="en-US" altLang="zh-CN" sz="1800" dirty="0" smtClean="0"/>
+                        <a:rPr lang="en-US" altLang="zh-CN" sz="1800" dirty="0"/>
                         <a:t>DRMM</a:t>
                       </a:r>
                       <a:endParaRPr lang="zh-CN" altLang="en-US" sz="1800" dirty="0"/>
@@ -4831,7 +7943,7 @@
                     <a:p>
                       <a:pPr algn="ctr"/>
                       <a:r>
-                        <a:rPr lang="en-US" altLang="zh-CN" sz="1800" dirty="0" smtClean="0"/>
+                        <a:rPr lang="en-US" altLang="zh-CN" sz="1800" dirty="0"/>
                         <a:t>.1146</a:t>
                       </a:r>
                       <a:endParaRPr lang="zh-CN" altLang="en-US" sz="1800" dirty="0"/>
@@ -4846,7 +7958,7 @@
                     <a:p>
                       <a:pPr algn="ctr"/>
                       <a:r>
-                        <a:rPr lang="en-US" altLang="zh-CN" sz="1800" dirty="0" smtClean="0"/>
+                        <a:rPr lang="en-US" altLang="zh-CN" sz="1800" dirty="0"/>
                         <a:t>.0943</a:t>
                       </a:r>
                       <a:endParaRPr lang="zh-CN" altLang="en-US" sz="1800" dirty="0"/>
@@ -4861,7 +7973,7 @@
                     <a:p>
                       <a:pPr algn="ctr"/>
                       <a:r>
-                        <a:rPr lang="en-US" altLang="zh-CN" sz="1800" dirty="0" smtClean="0"/>
+                        <a:rPr lang="en-US" altLang="zh-CN" sz="1800" dirty="0"/>
                         <a:t>.3812</a:t>
                       </a:r>
                       <a:endParaRPr lang="zh-CN" altLang="en-US" sz="1800" dirty="0"/>
@@ -4876,7 +7988,7 @@
                     <a:p>
                       <a:pPr algn="ctr"/>
                       <a:r>
-                        <a:rPr lang="en-US" altLang="zh-CN" sz="1800" dirty="0" smtClean="0"/>
+                        <a:rPr lang="en-US" altLang="zh-CN" sz="1800" dirty="0"/>
                         <a:t>.3085</a:t>
                       </a:r>
                       <a:endParaRPr lang="zh-CN" altLang="en-US" sz="1800" dirty="0"/>
@@ -4884,6 +7996,11 @@
                   </a:txBody>
                   <a:tcPr anchor="ctr"/>
                 </a:tc>
+                <a:extLst>
+                  <a:ext uri="{0D108BD9-81ED-4DB2-BD59-A6C34878D82A}">
+                    <a16:rowId xmlns:a16="http://schemas.microsoft.com/office/drawing/2014/main" val="10003"/>
+                  </a:ext>
+                </a:extLst>
               </a:tr>
               <a:tr h="351731">
                 <a:tc vMerge="1">
@@ -4904,7 +8021,7 @@
                     <a:p>
                       <a:pPr algn="ctr"/>
                       <a:r>
-                        <a:rPr lang="en-US" altLang="zh-CN" sz="1800" dirty="0" smtClean="0"/>
+                        <a:rPr lang="en-US" altLang="zh-CN" sz="1800" dirty="0"/>
                         <a:t>DUET</a:t>
                       </a:r>
                       <a:endParaRPr lang="zh-CN" altLang="en-US" sz="1800" dirty="0"/>
@@ -4919,7 +8036,7 @@
                     <a:p>
                       <a:pPr algn="ctr"/>
                       <a:r>
-                        <a:rPr lang="en-US" altLang="zh-CN" dirty="0" smtClean="0"/>
+                        <a:rPr lang="en-US" altLang="zh-CN" dirty="0"/>
                         <a:t>.2287</a:t>
                       </a:r>
                       <a:endParaRPr lang="zh-CN" altLang="en-US" dirty="0"/>
@@ -4934,7 +8051,7 @@
                     <a:p>
                       <a:pPr algn="ctr"/>
                       <a:r>
-                        <a:rPr lang="en-US" altLang="zh-CN" sz="1800" dirty="0" smtClean="0"/>
+                        <a:rPr lang="en-US" altLang="zh-CN" sz="1800" dirty="0"/>
                         <a:t>.2102</a:t>
                       </a:r>
                       <a:endParaRPr lang="zh-CN" altLang="en-US" sz="1800" dirty="0"/>
@@ -4949,7 +8066,7 @@
                     <a:p>
                       <a:pPr algn="ctr"/>
                       <a:r>
-                        <a:rPr lang="en-US" altLang="zh-CN" sz="1800" dirty="0" smtClean="0"/>
+                        <a:rPr lang="en-US" altLang="zh-CN" sz="1800" dirty="0"/>
                         <a:t>.3912</a:t>
                       </a:r>
                       <a:endParaRPr lang="zh-CN" altLang="en-US" sz="1800" dirty="0"/>
@@ -4964,7 +8081,7 @@
                     <a:p>
                       <a:pPr algn="ctr"/>
                       <a:r>
-                        <a:rPr lang="en-US" altLang="zh-CN" sz="1800" dirty="0" smtClean="0"/>
+                        <a:rPr lang="en-US" altLang="zh-CN" sz="1800" dirty="0"/>
                         <a:t>.3595</a:t>
                       </a:r>
                       <a:endParaRPr lang="zh-CN" altLang="en-US" sz="1800" dirty="0"/>
@@ -4972,6 +8089,11 @@
                   </a:txBody>
                   <a:tcPr anchor="ctr"/>
                 </a:tc>
+                <a:extLst>
+                  <a:ext uri="{0D108BD9-81ED-4DB2-BD59-A6C34878D82A}">
+                    <a16:rowId xmlns:a16="http://schemas.microsoft.com/office/drawing/2014/main" val="10004"/>
+                  </a:ext>
+                </a:extLst>
               </a:tr>
               <a:tr h="351731">
                 <a:tc vMerge="1">
@@ -4992,7 +8114,7 @@
                     <a:p>
                       <a:pPr algn="ctr"/>
                       <a:r>
-                        <a:rPr lang="en-US" altLang="zh-CN" sz="1800" dirty="0" smtClean="0"/>
+                        <a:rPr lang="en-US" altLang="zh-CN" sz="1800" dirty="0"/>
                         <a:t>KNRM</a:t>
                       </a:r>
                       <a:endParaRPr lang="zh-CN" altLang="en-US" sz="1800" dirty="0"/>
@@ -5007,7 +8129,7 @@
                     <a:p>
                       <a:pPr algn="ctr"/>
                       <a:r>
-                        <a:rPr lang="en-US" altLang="zh-CN" dirty="0" smtClean="0"/>
+                        <a:rPr lang="en-US" altLang="zh-CN" dirty="0"/>
                         <a:t>.2816</a:t>
                       </a:r>
                       <a:endParaRPr lang="zh-CN" altLang="en-US" dirty="0"/>
@@ -5022,7 +8144,7 @@
                     <a:p>
                       <a:pPr algn="ctr"/>
                       <a:r>
-                        <a:rPr lang="en-US" altLang="zh-CN" sz="1800" dirty="0" smtClean="0"/>
+                        <a:rPr lang="en-US" altLang="zh-CN" sz="1800" dirty="0"/>
                         <a:t>.2740</a:t>
                       </a:r>
                       <a:endParaRPr lang="zh-CN" altLang="en-US" sz="1800" dirty="0"/>
@@ -5037,7 +8159,7 @@
                     <a:p>
                       <a:pPr algn="ctr"/>
                       <a:r>
-                        <a:rPr lang="en-US" altLang="zh-CN" sz="1800" dirty="0" smtClean="0"/>
+                        <a:rPr lang="en-US" altLang="zh-CN" sz="1800" dirty="0"/>
                         <a:t>.4671</a:t>
                       </a:r>
                       <a:endParaRPr lang="zh-CN" altLang="en-US" sz="1800" dirty="0"/>
@@ -5052,7 +8174,7 @@
                     <a:p>
                       <a:pPr algn="ctr"/>
                       <a:r>
-                        <a:rPr lang="en-US" altLang="zh-CN" sz="1800" dirty="0" smtClean="0"/>
+                        <a:rPr lang="en-US" altLang="zh-CN" sz="1800" dirty="0"/>
                         <a:t>.5491</a:t>
                       </a:r>
                       <a:endParaRPr lang="zh-CN" altLang="en-US" sz="1800" dirty="0"/>
@@ -5060,6 +8182,11 @@
                   </a:txBody>
                   <a:tcPr anchor="ctr"/>
                 </a:tc>
+                <a:extLst>
+                  <a:ext uri="{0D108BD9-81ED-4DB2-BD59-A6C34878D82A}">
+                    <a16:rowId xmlns:a16="http://schemas.microsoft.com/office/drawing/2014/main" val="10005"/>
+                  </a:ext>
+                </a:extLst>
               </a:tr>
               <a:tr h="351731">
                 <a:tc vMerge="1">
@@ -5080,11 +8207,11 @@
                     <a:p>
                       <a:pPr algn="ctr"/>
                       <a:r>
-                        <a:rPr lang="en-US" altLang="zh-CN" sz="1800" dirty="0" err="1" smtClean="0"/>
+                        <a:rPr lang="en-US" altLang="zh-CN" sz="1800" dirty="0" err="1"/>
                         <a:t>Conv</a:t>
                       </a:r>
                       <a:r>
-                        <a:rPr lang="en-US" altLang="zh-CN" sz="1800" dirty="0" smtClean="0"/>
+                        <a:rPr lang="en-US" altLang="zh-CN" sz="1800" dirty="0"/>
                         <a:t>-KNRM</a:t>
                       </a:r>
                       <a:endParaRPr lang="zh-CN" altLang="en-US" sz="1800" dirty="0"/>
@@ -5099,7 +8226,7 @@
                     <a:p>
                       <a:pPr algn="ctr"/>
                       <a:r>
-                        <a:rPr lang="en-US" altLang="zh-CN" dirty="0" smtClean="0"/>
+                        <a:rPr lang="en-US" altLang="zh-CN" dirty="0"/>
                         <a:t>.3182</a:t>
                       </a:r>
                       <a:endParaRPr lang="zh-CN" altLang="en-US" dirty="0"/>
@@ -5114,7 +8241,7 @@
                     <a:p>
                       <a:pPr algn="ctr"/>
                       <a:r>
-                        <a:rPr lang="en-US" altLang="zh-CN" sz="1800" dirty="0" smtClean="0"/>
+                        <a:rPr lang="en-US" altLang="zh-CN" sz="1800" dirty="0"/>
                         <a:t>.3054</a:t>
                       </a:r>
                       <a:endParaRPr lang="zh-CN" altLang="en-US" sz="1800" dirty="0"/>
@@ -5129,7 +8256,7 @@
                     <a:p>
                       <a:pPr algn="ctr"/>
                       <a:r>
-                        <a:rPr lang="en-US" altLang="zh-CN" sz="1800" dirty="0" smtClean="0"/>
+                        <a:rPr lang="en-US" altLang="zh-CN" sz="1800" dirty="0"/>
                         <a:t>.4876</a:t>
                       </a:r>
                       <a:endParaRPr lang="zh-CN" altLang="en-US" sz="1800" dirty="0"/>
@@ -5144,7 +8271,7 @@
                     <a:p>
                       <a:pPr algn="ctr"/>
                       <a:r>
-                        <a:rPr lang="en-US" altLang="zh-CN" sz="1800" dirty="0" smtClean="0"/>
+                        <a:rPr lang="en-US" altLang="zh-CN" sz="1800" dirty="0"/>
                         <a:t>.5990</a:t>
                       </a:r>
                       <a:endParaRPr lang="zh-CN" altLang="en-US" sz="1800" dirty="0"/>
@@ -5152,6 +8279,11 @@
                   </a:txBody>
                   <a:tcPr anchor="ctr"/>
                 </a:tc>
+                <a:extLst>
+                  <a:ext uri="{0D108BD9-81ED-4DB2-BD59-A6C34878D82A}">
+                    <a16:rowId xmlns:a16="http://schemas.microsoft.com/office/drawing/2014/main" val="10006"/>
+                  </a:ext>
+                </a:extLst>
               </a:tr>
             </a:tbl>
           </a:graphicData>
@@ -5167,13 +8299,6 @@
   <p:clrMapOvr>
     <a:masterClrMapping/>
   </p:clrMapOvr>
-  <p:timing>
-    <p:tnLst>
-      <p:par>
-        <p:cTn id="1" dur="indefinite" restart="never" nodeType="tmRoot"/>
-      </p:par>
-    </p:tnLst>
-  </p:timing>
 </p:sld>
 </file>
 
